--- a/Calculator Midterm/midterm_powerpoint.pptx
+++ b/Calculator Midterm/midterm_powerpoint.pptx
@@ -2,14 +2,15 @@
 <file path=ppt/presentation.xml><?xml version="1.0" encoding="utf-8"?>
 <p:presentation xmlns:a="http://schemas.openxmlformats.org/drawingml/2006/main" xmlns:r="http://schemas.openxmlformats.org/officeDocument/2006/relationships" xmlns:p="http://schemas.openxmlformats.org/presentationml/2006/main">
   <p:sldMasterIdLst>
-    <p:sldMasterId id="2147483648" r:id="rId5"/>
+    <p:sldMasterId id="2147483648" r:id="rId1"/>
   </p:sldMasterIdLst>
   <p:notesMasterIdLst>
-    <p:notesMasterId r:id="rId7"/>
+    <p:notesMasterId r:id="rId5"/>
   </p:notesMasterIdLst>
   <p:sldIdLst>
-    <p:sldId id="256" r:id="rId8"/>
-    <p:sldId id="257" r:id="rId9"/>
+    <p:sldId id="256" r:id="rId2"/>
+    <p:sldId id="257" r:id="rId3"/>
+    <p:sldId id="258" r:id="rId4"/>
   </p:sldIdLst>
   <p:sldSz cx="24384000" cy="13716000"/>
   <p:notesSz cx="6858000" cy="9144000"/>
@@ -117,13 +118,14 @@
 </p:presentation>
 </file>
 
-<file path=ppt/commentAuthors.xml><?xml version="1.0" encoding="utf-8"?>
-<p:cmAuthorLst xmlns:a="http://schemas.openxmlformats.org/drawingml/2006/main" xmlns:r="http://schemas.openxmlformats.org/officeDocument/2006/relationships" xmlns:p="http://schemas.openxmlformats.org/presentationml/2006/main"/>
-</file>
-
 <file path=ppt/notesMasters/notesMaster1.xml><?xml version="1.0" encoding="utf-8"?>
 <p:notesMaster xmlns:a="http://schemas.openxmlformats.org/drawingml/2006/main" xmlns:r="http://schemas.openxmlformats.org/officeDocument/2006/relationships" xmlns:p="http://schemas.openxmlformats.org/presentationml/2006/main">
   <p:cSld>
+    <p:bg>
+      <p:bgRef idx="1001">
+        <a:schemeClr val="bg1"/>
+      </p:bgRef>
+    </p:bg>
     <p:spTree>
       <p:nvGrpSpPr>
         <p:cNvPr id="1" name=""/>
@@ -141,7 +143,9 @@
       <p:sp>
         <p:nvSpPr>
           <p:cNvPr id="29" name="Shape 29"/>
-          <p:cNvSpPr/>
+          <p:cNvSpPr>
+            <a:spLocks noGrp="1" noRot="1" noChangeAspect="1"/>
+          </p:cNvSpPr>
           <p:nvPr>
             <p:ph type="sldImg"/>
           </p:nvPr>
@@ -160,13 +164,16 @@
           <a:lstStyle/>
           <a:p>
             <a:pPr lvl="0"/>
+            <a:endParaRPr/>
           </a:p>
         </p:txBody>
       </p:sp>
       <p:sp>
         <p:nvSpPr>
           <p:cNvPr id="30" name="Shape 30"/>
-          <p:cNvSpPr/>
+          <p:cNvSpPr>
+            <a:spLocks noGrp="1"/>
+          </p:cNvSpPr>
           <p:nvPr>
             <p:ph type="body" sz="quarter" idx="1"/>
           </p:nvPr>
@@ -185,10 +192,16 @@
           <a:lstStyle/>
           <a:p>
             <a:pPr lvl="0"/>
+            <a:endParaRPr/>
           </a:p>
         </p:txBody>
       </p:sp>
     </p:spTree>
+    <p:extLst>
+      <p:ext uri="{BB962C8B-B14F-4D97-AF65-F5344CB8AC3E}">
+        <p14:creationId xmlns:p14="http://schemas.microsoft.com/office/powerpoint/2010/main" val="4229418059"/>
+      </p:ext>
+    </p:extLst>
   </p:cSld>
   <p:clrMap bg1="lt1" tx1="dk1" bg2="lt2" tx2="dk2" accent1="accent1" accent2="accent2" accent3="accent3" accent4="accent4" accent5="accent5" accent6="accent6" hlink="hlink" folHlink="folHlink"/>
   <p:notesStyle>
@@ -296,7 +309,7 @@
 </file>
 
 <file path=ppt/slideLayouts/slideLayout1.xml><?xml version="1.0" encoding="utf-8"?>
-<p:sldLayout xmlns:a="http://schemas.openxmlformats.org/drawingml/2006/main" xmlns:r="http://schemas.openxmlformats.org/officeDocument/2006/relationships" xmlns:p="http://schemas.openxmlformats.org/presentationml/2006/main" type="tx" showMasterSp="1" showMasterPhAnim="1">
+<p:sldLayout xmlns:a="http://schemas.openxmlformats.org/drawingml/2006/main" xmlns:r="http://schemas.openxmlformats.org/officeDocument/2006/relationships" xmlns:p="http://schemas.openxmlformats.org/presentationml/2006/main" type="tx">
   <p:cSld name="Title &amp; Subtitle">
     <p:spTree>
       <p:nvGrpSpPr>
@@ -315,7 +328,9 @@
       <p:sp>
         <p:nvSpPr>
           <p:cNvPr id="5" name="Shape 5"/>
-          <p:cNvSpPr/>
+          <p:cNvSpPr>
+            <a:spLocks noGrp="1"/>
+          </p:cNvSpPr>
           <p:nvPr>
             <p:ph type="title"/>
           </p:nvPr>
@@ -354,7 +369,9 @@
       <p:sp>
         <p:nvSpPr>
           <p:cNvPr id="6" name="Shape 6"/>
-          <p:cNvSpPr/>
+          <p:cNvSpPr>
+            <a:spLocks noGrp="1"/>
+          </p:cNvSpPr>
           <p:nvPr>
             <p:ph type="body" idx="1"/>
           </p:nvPr>
@@ -428,11 +445,6 @@
               </a:rPr>
               <a:t>Body Level One</a:t>
             </a:r>
-            <a:endParaRPr sz="4400">
-              <a:solidFill>
-                <a:srgbClr val="FFFFFF"/>
-              </a:solidFill>
-            </a:endParaRPr>
           </a:p>
           <a:p>
             <a:pPr lvl="1">
@@ -450,11 +462,6 @@
               </a:rPr>
               <a:t>Body Level Two</a:t>
             </a:r>
-            <a:endParaRPr sz="4400">
-              <a:solidFill>
-                <a:srgbClr val="FFFFFF"/>
-              </a:solidFill>
-            </a:endParaRPr>
           </a:p>
           <a:p>
             <a:pPr lvl="2">
@@ -472,11 +479,6 @@
               </a:rPr>
               <a:t>Body Level Three</a:t>
             </a:r>
-            <a:endParaRPr sz="4400">
-              <a:solidFill>
-                <a:srgbClr val="FFFFFF"/>
-              </a:solidFill>
-            </a:endParaRPr>
           </a:p>
           <a:p>
             <a:pPr lvl="3">
@@ -494,11 +496,6 @@
               </a:rPr>
               <a:t>Body Level Four</a:t>
             </a:r>
-            <a:endParaRPr sz="4400">
-              <a:solidFill>
-                <a:srgbClr val="FFFFFF"/>
-              </a:solidFill>
-            </a:endParaRPr>
           </a:p>
           <a:p>
             <a:pPr lvl="4">
@@ -524,12 +521,12 @@
   <p:clrMapOvr>
     <a:masterClrMapping/>
   </p:clrMapOvr>
-  <p:transition spd="med" advClick="1"/>
+  <p:transition xmlns:p14="http://schemas.microsoft.com/office/powerpoint/2010/main" spd="med"/>
 </p:sldLayout>
 </file>
 
 <file path=ppt/slideLayouts/slideLayout10.xml><?xml version="1.0" encoding="utf-8"?>
-<p:sldLayout xmlns:a="http://schemas.openxmlformats.org/drawingml/2006/main" xmlns:r="http://schemas.openxmlformats.org/officeDocument/2006/relationships" xmlns:p="http://schemas.openxmlformats.org/presentationml/2006/main" type="tx" showMasterSp="1" showMasterPhAnim="1">
+<p:sldLayout xmlns:a="http://schemas.openxmlformats.org/drawingml/2006/main" xmlns:r="http://schemas.openxmlformats.org/officeDocument/2006/relationships" xmlns:p="http://schemas.openxmlformats.org/presentationml/2006/main" type="tx">
   <p:cSld name="Quote">
     <p:spTree>
       <p:nvGrpSpPr>
@@ -550,12 +547,12 @@
   <p:clrMapOvr>
     <a:masterClrMapping/>
   </p:clrMapOvr>
-  <p:transition spd="med" advClick="1"/>
+  <p:transition xmlns:p14="http://schemas.microsoft.com/office/powerpoint/2010/main" spd="med"/>
 </p:sldLayout>
 </file>
 
 <file path=ppt/slideLayouts/slideLayout11.xml><?xml version="1.0" encoding="utf-8"?>
-<p:sldLayout xmlns:a="http://schemas.openxmlformats.org/drawingml/2006/main" xmlns:r="http://schemas.openxmlformats.org/officeDocument/2006/relationships" xmlns:p="http://schemas.openxmlformats.org/presentationml/2006/main" type="tx" showMasterSp="1" showMasterPhAnim="1">
+<p:sldLayout xmlns:a="http://schemas.openxmlformats.org/drawingml/2006/main" xmlns:r="http://schemas.openxmlformats.org/officeDocument/2006/relationships" xmlns:p="http://schemas.openxmlformats.org/presentationml/2006/main" type="tx">
   <p:cSld name="Photo">
     <p:spTree>
       <p:nvGrpSpPr>
@@ -576,12 +573,12 @@
   <p:clrMapOvr>
     <a:masterClrMapping/>
   </p:clrMapOvr>
-  <p:transition spd="med" advClick="1"/>
+  <p:transition xmlns:p14="http://schemas.microsoft.com/office/powerpoint/2010/main" spd="med"/>
 </p:sldLayout>
 </file>
 
 <file path=ppt/slideLayouts/slideLayout12.xml><?xml version="1.0" encoding="utf-8"?>
-<p:sldLayout xmlns:a="http://schemas.openxmlformats.org/drawingml/2006/main" xmlns:r="http://schemas.openxmlformats.org/officeDocument/2006/relationships" xmlns:p="http://schemas.openxmlformats.org/presentationml/2006/main" type="tx" showMasterSp="1" showMasterPhAnim="1">
+<p:sldLayout xmlns:a="http://schemas.openxmlformats.org/drawingml/2006/main" xmlns:r="http://schemas.openxmlformats.org/officeDocument/2006/relationships" xmlns:p="http://schemas.openxmlformats.org/presentationml/2006/main" type="tx">
   <p:cSld name="Blank">
     <p:spTree>
       <p:nvGrpSpPr>
@@ -602,12 +599,12 @@
   <p:clrMapOvr>
     <a:masterClrMapping/>
   </p:clrMapOvr>
-  <p:transition spd="med" advClick="1"/>
+  <p:transition xmlns:p14="http://schemas.microsoft.com/office/powerpoint/2010/main" spd="med"/>
 </p:sldLayout>
 </file>
 
 <file path=ppt/slideLayouts/slideLayout2.xml><?xml version="1.0" encoding="utf-8"?>
-<p:sldLayout xmlns:a="http://schemas.openxmlformats.org/drawingml/2006/main" xmlns:r="http://schemas.openxmlformats.org/officeDocument/2006/relationships" xmlns:p="http://schemas.openxmlformats.org/presentationml/2006/main" type="tx" showMasterSp="1" showMasterPhAnim="1">
+<p:sldLayout xmlns:a="http://schemas.openxmlformats.org/drawingml/2006/main" xmlns:r="http://schemas.openxmlformats.org/officeDocument/2006/relationships" xmlns:p="http://schemas.openxmlformats.org/presentationml/2006/main" type="tx">
   <p:cSld name="Photo - Horizontal">
     <p:spTree>
       <p:nvGrpSpPr>
@@ -626,7 +623,9 @@
       <p:sp>
         <p:nvSpPr>
           <p:cNvPr id="8" name="Shape 8"/>
-          <p:cNvSpPr/>
+          <p:cNvSpPr>
+            <a:spLocks noGrp="1"/>
+          </p:cNvSpPr>
           <p:nvPr>
             <p:ph type="title"/>
           </p:nvPr>
@@ -665,7 +664,9 @@
       <p:sp>
         <p:nvSpPr>
           <p:cNvPr id="9" name="Shape 9"/>
-          <p:cNvSpPr/>
+          <p:cNvSpPr>
+            <a:spLocks noGrp="1"/>
+          </p:cNvSpPr>
           <p:nvPr>
             <p:ph type="body" idx="1"/>
           </p:nvPr>
@@ -739,11 +740,6 @@
               </a:rPr>
               <a:t>Body Level One</a:t>
             </a:r>
-            <a:endParaRPr sz="4400">
-              <a:solidFill>
-                <a:srgbClr val="FFFFFF"/>
-              </a:solidFill>
-            </a:endParaRPr>
           </a:p>
           <a:p>
             <a:pPr lvl="1">
@@ -761,11 +757,6 @@
               </a:rPr>
               <a:t>Body Level Two</a:t>
             </a:r>
-            <a:endParaRPr sz="4400">
-              <a:solidFill>
-                <a:srgbClr val="FFFFFF"/>
-              </a:solidFill>
-            </a:endParaRPr>
           </a:p>
           <a:p>
             <a:pPr lvl="2">
@@ -783,11 +774,6 @@
               </a:rPr>
               <a:t>Body Level Three</a:t>
             </a:r>
-            <a:endParaRPr sz="4400">
-              <a:solidFill>
-                <a:srgbClr val="FFFFFF"/>
-              </a:solidFill>
-            </a:endParaRPr>
           </a:p>
           <a:p>
             <a:pPr lvl="3">
@@ -805,11 +791,6 @@
               </a:rPr>
               <a:t>Body Level Four</a:t>
             </a:r>
-            <a:endParaRPr sz="4400">
-              <a:solidFill>
-                <a:srgbClr val="FFFFFF"/>
-              </a:solidFill>
-            </a:endParaRPr>
           </a:p>
           <a:p>
             <a:pPr lvl="4">
@@ -835,12 +816,12 @@
   <p:clrMapOvr>
     <a:masterClrMapping/>
   </p:clrMapOvr>
-  <p:transition spd="med" advClick="1"/>
+  <p:transition xmlns:p14="http://schemas.microsoft.com/office/powerpoint/2010/main" spd="med"/>
 </p:sldLayout>
 </file>
 
 <file path=ppt/slideLayouts/slideLayout3.xml><?xml version="1.0" encoding="utf-8"?>
-<p:sldLayout xmlns:a="http://schemas.openxmlformats.org/drawingml/2006/main" xmlns:r="http://schemas.openxmlformats.org/officeDocument/2006/relationships" xmlns:p="http://schemas.openxmlformats.org/presentationml/2006/main" type="tx" showMasterSp="1" showMasterPhAnim="1">
+<p:sldLayout xmlns:a="http://schemas.openxmlformats.org/drawingml/2006/main" xmlns:r="http://schemas.openxmlformats.org/officeDocument/2006/relationships" xmlns:p="http://schemas.openxmlformats.org/presentationml/2006/main" type="tx">
   <p:cSld name="Title - Center">
     <p:spTree>
       <p:nvGrpSpPr>
@@ -859,7 +840,9 @@
       <p:sp>
         <p:nvSpPr>
           <p:cNvPr id="11" name="Shape 11"/>
-          <p:cNvSpPr/>
+          <p:cNvSpPr>
+            <a:spLocks noGrp="1"/>
+          </p:cNvSpPr>
           <p:nvPr>
             <p:ph type="title"/>
           </p:nvPr>
@@ -900,12 +883,12 @@
   <p:clrMapOvr>
     <a:masterClrMapping/>
   </p:clrMapOvr>
-  <p:transition spd="med" advClick="1"/>
+  <p:transition xmlns:p14="http://schemas.microsoft.com/office/powerpoint/2010/main" spd="med"/>
 </p:sldLayout>
 </file>
 
 <file path=ppt/slideLayouts/slideLayout4.xml><?xml version="1.0" encoding="utf-8"?>
-<p:sldLayout xmlns:a="http://schemas.openxmlformats.org/drawingml/2006/main" xmlns:r="http://schemas.openxmlformats.org/officeDocument/2006/relationships" xmlns:p="http://schemas.openxmlformats.org/presentationml/2006/main" type="tx" showMasterSp="1" showMasterPhAnim="1">
+<p:sldLayout xmlns:a="http://schemas.openxmlformats.org/drawingml/2006/main" xmlns:r="http://schemas.openxmlformats.org/officeDocument/2006/relationships" xmlns:p="http://schemas.openxmlformats.org/presentationml/2006/main" type="tx">
   <p:cSld name="Photo - Vertical">
     <p:spTree>
       <p:nvGrpSpPr>
@@ -924,7 +907,9 @@
       <p:sp>
         <p:nvSpPr>
           <p:cNvPr id="13" name="Shape 13"/>
-          <p:cNvSpPr/>
+          <p:cNvSpPr>
+            <a:spLocks noGrp="1"/>
+          </p:cNvSpPr>
           <p:nvPr>
             <p:ph type="title"/>
           </p:nvPr>
@@ -967,7 +952,9 @@
       <p:sp>
         <p:nvSpPr>
           <p:cNvPr id="14" name="Shape 14"/>
-          <p:cNvSpPr/>
+          <p:cNvSpPr>
+            <a:spLocks noGrp="1"/>
+          </p:cNvSpPr>
           <p:nvPr>
             <p:ph type="body" idx="1"/>
           </p:nvPr>
@@ -1041,11 +1028,6 @@
               </a:rPr>
               <a:t>Body Level One</a:t>
             </a:r>
-            <a:endParaRPr sz="4400">
-              <a:solidFill>
-                <a:srgbClr val="FFFFFF"/>
-              </a:solidFill>
-            </a:endParaRPr>
           </a:p>
           <a:p>
             <a:pPr lvl="1">
@@ -1063,11 +1045,6 @@
               </a:rPr>
               <a:t>Body Level Two</a:t>
             </a:r>
-            <a:endParaRPr sz="4400">
-              <a:solidFill>
-                <a:srgbClr val="FFFFFF"/>
-              </a:solidFill>
-            </a:endParaRPr>
           </a:p>
           <a:p>
             <a:pPr lvl="2">
@@ -1085,11 +1062,6 @@
               </a:rPr>
               <a:t>Body Level Three</a:t>
             </a:r>
-            <a:endParaRPr sz="4400">
-              <a:solidFill>
-                <a:srgbClr val="FFFFFF"/>
-              </a:solidFill>
-            </a:endParaRPr>
           </a:p>
           <a:p>
             <a:pPr lvl="3">
@@ -1107,11 +1079,6 @@
               </a:rPr>
               <a:t>Body Level Four</a:t>
             </a:r>
-            <a:endParaRPr sz="4400">
-              <a:solidFill>
-                <a:srgbClr val="FFFFFF"/>
-              </a:solidFill>
-            </a:endParaRPr>
           </a:p>
           <a:p>
             <a:pPr lvl="4">
@@ -1137,12 +1104,12 @@
   <p:clrMapOvr>
     <a:masterClrMapping/>
   </p:clrMapOvr>
-  <p:transition spd="med" advClick="1"/>
+  <p:transition xmlns:p14="http://schemas.microsoft.com/office/powerpoint/2010/main" spd="med"/>
 </p:sldLayout>
 </file>
 
 <file path=ppt/slideLayouts/slideLayout5.xml><?xml version="1.0" encoding="utf-8"?>
-<p:sldLayout xmlns:a="http://schemas.openxmlformats.org/drawingml/2006/main" xmlns:r="http://schemas.openxmlformats.org/officeDocument/2006/relationships" xmlns:p="http://schemas.openxmlformats.org/presentationml/2006/main" type="tx" showMasterSp="1" showMasterPhAnim="1">
+<p:sldLayout xmlns:a="http://schemas.openxmlformats.org/drawingml/2006/main" xmlns:r="http://schemas.openxmlformats.org/officeDocument/2006/relationships" xmlns:p="http://schemas.openxmlformats.org/presentationml/2006/main" type="tx">
   <p:cSld name="Title - Top">
     <p:spTree>
       <p:nvGrpSpPr>
@@ -1161,7 +1128,9 @@
       <p:sp>
         <p:nvSpPr>
           <p:cNvPr id="16" name="Shape 16"/>
-          <p:cNvSpPr/>
+          <p:cNvSpPr>
+            <a:spLocks noGrp="1"/>
+          </p:cNvSpPr>
           <p:nvPr>
             <p:ph type="title"/>
           </p:nvPr>
@@ -1198,12 +1167,12 @@
   <p:clrMapOvr>
     <a:masterClrMapping/>
   </p:clrMapOvr>
-  <p:transition spd="med" advClick="1"/>
+  <p:transition xmlns:p14="http://schemas.microsoft.com/office/powerpoint/2010/main" spd="med"/>
 </p:sldLayout>
 </file>
 
 <file path=ppt/slideLayouts/slideLayout6.xml><?xml version="1.0" encoding="utf-8"?>
-<p:sldLayout xmlns:a="http://schemas.openxmlformats.org/drawingml/2006/main" xmlns:r="http://schemas.openxmlformats.org/officeDocument/2006/relationships" xmlns:p="http://schemas.openxmlformats.org/presentationml/2006/main" type="tx" showMasterSp="1" showMasterPhAnim="1">
+<p:sldLayout xmlns:a="http://schemas.openxmlformats.org/drawingml/2006/main" xmlns:r="http://schemas.openxmlformats.org/officeDocument/2006/relationships" xmlns:p="http://schemas.openxmlformats.org/presentationml/2006/main" type="tx">
   <p:cSld name="Title &amp; Bullets">
     <p:spTree>
       <p:nvGrpSpPr>
@@ -1222,7 +1191,9 @@
       <p:sp>
         <p:nvSpPr>
           <p:cNvPr id="18" name="Shape 18"/>
-          <p:cNvSpPr/>
+          <p:cNvSpPr>
+            <a:spLocks noGrp="1"/>
+          </p:cNvSpPr>
           <p:nvPr>
             <p:ph type="title"/>
           </p:nvPr>
@@ -1257,7 +1228,9 @@
       <p:sp>
         <p:nvSpPr>
           <p:cNvPr id="19" name="Shape 19"/>
-          <p:cNvSpPr/>
+          <p:cNvSpPr>
+            <a:spLocks noGrp="1"/>
+          </p:cNvSpPr>
           <p:nvPr>
             <p:ph type="body" idx="1"/>
           </p:nvPr>
@@ -1286,11 +1259,6 @@
               </a:rPr>
               <a:t>Body Level One</a:t>
             </a:r>
-            <a:endParaRPr sz="5200">
-              <a:solidFill>
-                <a:srgbClr val="FFFFFF"/>
-              </a:solidFill>
-            </a:endParaRPr>
           </a:p>
           <a:p>
             <a:pPr lvl="1">
@@ -1308,11 +1276,6 @@
               </a:rPr>
               <a:t>Body Level Two</a:t>
             </a:r>
-            <a:endParaRPr sz="5200">
-              <a:solidFill>
-                <a:srgbClr val="FFFFFF"/>
-              </a:solidFill>
-            </a:endParaRPr>
           </a:p>
           <a:p>
             <a:pPr lvl="2">
@@ -1330,11 +1293,6 @@
               </a:rPr>
               <a:t>Body Level Three</a:t>
             </a:r>
-            <a:endParaRPr sz="5200">
-              <a:solidFill>
-                <a:srgbClr val="FFFFFF"/>
-              </a:solidFill>
-            </a:endParaRPr>
           </a:p>
           <a:p>
             <a:pPr lvl="3">
@@ -1352,11 +1310,6 @@
               </a:rPr>
               <a:t>Body Level Four</a:t>
             </a:r>
-            <a:endParaRPr sz="5200">
-              <a:solidFill>
-                <a:srgbClr val="FFFFFF"/>
-              </a:solidFill>
-            </a:endParaRPr>
           </a:p>
           <a:p>
             <a:pPr lvl="4">
@@ -1382,12 +1335,12 @@
   <p:clrMapOvr>
     <a:masterClrMapping/>
   </p:clrMapOvr>
-  <p:transition spd="med" advClick="1"/>
+  <p:transition xmlns:p14="http://schemas.microsoft.com/office/powerpoint/2010/main" spd="med"/>
 </p:sldLayout>
 </file>
 
 <file path=ppt/slideLayouts/slideLayout7.xml><?xml version="1.0" encoding="utf-8"?>
-<p:sldLayout xmlns:a="http://schemas.openxmlformats.org/drawingml/2006/main" xmlns:r="http://schemas.openxmlformats.org/officeDocument/2006/relationships" xmlns:p="http://schemas.openxmlformats.org/presentationml/2006/main" type="tx" showMasterSp="1" showMasterPhAnim="1">
+<p:sldLayout xmlns:a="http://schemas.openxmlformats.org/drawingml/2006/main" xmlns:r="http://schemas.openxmlformats.org/officeDocument/2006/relationships" xmlns:p="http://schemas.openxmlformats.org/presentationml/2006/main" type="tx">
   <p:cSld name="Title, Bullets &amp; Photo">
     <p:spTree>
       <p:nvGrpSpPr>
@@ -1406,7 +1359,9 @@
       <p:sp>
         <p:nvSpPr>
           <p:cNvPr id="21" name="Shape 21"/>
-          <p:cNvSpPr/>
+          <p:cNvSpPr>
+            <a:spLocks noGrp="1"/>
+          </p:cNvSpPr>
           <p:nvPr>
             <p:ph type="title"/>
           </p:nvPr>
@@ -1441,7 +1396,9 @@
       <p:sp>
         <p:nvSpPr>
           <p:cNvPr id="22" name="Shape 22"/>
-          <p:cNvSpPr/>
+          <p:cNvSpPr>
+            <a:spLocks noGrp="1"/>
+          </p:cNvSpPr>
           <p:nvPr>
             <p:ph type="body" idx="1"/>
           </p:nvPr>
@@ -1505,11 +1462,6 @@
               </a:rPr>
               <a:t>Body Level One</a:t>
             </a:r>
-            <a:endParaRPr sz="3800">
-              <a:solidFill>
-                <a:srgbClr val="FFFFFF"/>
-              </a:solidFill>
-            </a:endParaRPr>
           </a:p>
           <a:p>
             <a:pPr lvl="1">
@@ -1527,11 +1479,6 @@
               </a:rPr>
               <a:t>Body Level Two</a:t>
             </a:r>
-            <a:endParaRPr sz="3800">
-              <a:solidFill>
-                <a:srgbClr val="FFFFFF"/>
-              </a:solidFill>
-            </a:endParaRPr>
           </a:p>
           <a:p>
             <a:pPr lvl="2">
@@ -1549,11 +1496,6 @@
               </a:rPr>
               <a:t>Body Level Three</a:t>
             </a:r>
-            <a:endParaRPr sz="3800">
-              <a:solidFill>
-                <a:srgbClr val="FFFFFF"/>
-              </a:solidFill>
-            </a:endParaRPr>
           </a:p>
           <a:p>
             <a:pPr lvl="3">
@@ -1571,11 +1513,6 @@
               </a:rPr>
               <a:t>Body Level Four</a:t>
             </a:r>
-            <a:endParaRPr sz="3800">
-              <a:solidFill>
-                <a:srgbClr val="FFFFFF"/>
-              </a:solidFill>
-            </a:endParaRPr>
           </a:p>
           <a:p>
             <a:pPr lvl="4">
@@ -1601,12 +1538,12 @@
   <p:clrMapOvr>
     <a:masterClrMapping/>
   </p:clrMapOvr>
-  <p:transition spd="med" advClick="1"/>
+  <p:transition xmlns:p14="http://schemas.microsoft.com/office/powerpoint/2010/main" spd="med"/>
 </p:sldLayout>
 </file>
 
 <file path=ppt/slideLayouts/slideLayout8.xml><?xml version="1.0" encoding="utf-8"?>
-<p:sldLayout xmlns:a="http://schemas.openxmlformats.org/drawingml/2006/main" xmlns:r="http://schemas.openxmlformats.org/officeDocument/2006/relationships" xmlns:p="http://schemas.openxmlformats.org/presentationml/2006/main" type="tx" showMasterSp="1" showMasterPhAnim="1">
+<p:sldLayout xmlns:a="http://schemas.openxmlformats.org/drawingml/2006/main" xmlns:r="http://schemas.openxmlformats.org/officeDocument/2006/relationships" xmlns:p="http://schemas.openxmlformats.org/presentationml/2006/main" type="tx">
   <p:cSld name="Bullets">
     <p:spTree>
       <p:nvGrpSpPr>
@@ -1625,7 +1562,9 @@
       <p:sp>
         <p:nvSpPr>
           <p:cNvPr id="24" name="Shape 24"/>
-          <p:cNvSpPr/>
+          <p:cNvSpPr>
+            <a:spLocks noGrp="1"/>
+          </p:cNvSpPr>
           <p:nvPr>
             <p:ph type="body" idx="1"/>
           </p:nvPr>
@@ -1658,11 +1597,6 @@
               </a:rPr>
               <a:t>Body Level One</a:t>
             </a:r>
-            <a:endParaRPr sz="5200">
-              <a:solidFill>
-                <a:srgbClr val="FFFFFF"/>
-              </a:solidFill>
-            </a:endParaRPr>
           </a:p>
           <a:p>
             <a:pPr lvl="1">
@@ -1680,11 +1614,6 @@
               </a:rPr>
               <a:t>Body Level Two</a:t>
             </a:r>
-            <a:endParaRPr sz="5200">
-              <a:solidFill>
-                <a:srgbClr val="FFFFFF"/>
-              </a:solidFill>
-            </a:endParaRPr>
           </a:p>
           <a:p>
             <a:pPr lvl="2">
@@ -1702,11 +1631,6 @@
               </a:rPr>
               <a:t>Body Level Three</a:t>
             </a:r>
-            <a:endParaRPr sz="5200">
-              <a:solidFill>
-                <a:srgbClr val="FFFFFF"/>
-              </a:solidFill>
-            </a:endParaRPr>
           </a:p>
           <a:p>
             <a:pPr lvl="3">
@@ -1724,11 +1648,6 @@
               </a:rPr>
               <a:t>Body Level Four</a:t>
             </a:r>
-            <a:endParaRPr sz="5200">
-              <a:solidFill>
-                <a:srgbClr val="FFFFFF"/>
-              </a:solidFill>
-            </a:endParaRPr>
           </a:p>
           <a:p>
             <a:pPr lvl="4">
@@ -1754,12 +1673,12 @@
   <p:clrMapOvr>
     <a:masterClrMapping/>
   </p:clrMapOvr>
-  <p:transition spd="med" advClick="1"/>
+  <p:transition xmlns:p14="http://schemas.microsoft.com/office/powerpoint/2010/main" spd="med"/>
 </p:sldLayout>
 </file>
 
 <file path=ppt/slideLayouts/slideLayout9.xml><?xml version="1.0" encoding="utf-8"?>
-<p:sldLayout xmlns:a="http://schemas.openxmlformats.org/drawingml/2006/main" xmlns:r="http://schemas.openxmlformats.org/officeDocument/2006/relationships" xmlns:p="http://schemas.openxmlformats.org/presentationml/2006/main" type="tx" showMasterSp="1" showMasterPhAnim="1">
+<p:sldLayout xmlns:a="http://schemas.openxmlformats.org/drawingml/2006/main" xmlns:r="http://schemas.openxmlformats.org/officeDocument/2006/relationships" xmlns:p="http://schemas.openxmlformats.org/presentationml/2006/main" type="tx">
   <p:cSld name="Photo - 3 Up">
     <p:spTree>
       <p:nvGrpSpPr>
@@ -1780,7 +1699,7 @@
   <p:clrMapOvr>
     <a:masterClrMapping/>
   </p:clrMapOvr>
-  <p:transition spd="med" advClick="1"/>
+  <p:transition xmlns:p14="http://schemas.microsoft.com/office/powerpoint/2010/main" spd="med"/>
 </p:sldLayout>
 </file>
 
@@ -1792,6 +1711,7 @@
         <a:solidFill>
           <a:srgbClr val="000000"/>
         </a:solidFill>
+        <a:effectLst/>
       </p:bgPr>
     </p:bg>
     <p:spTree>
@@ -1811,7 +1731,9 @@
       <p:sp>
         <p:nvSpPr>
           <p:cNvPr id="2" name="Shape 2"/>
-          <p:cNvSpPr/>
+          <p:cNvSpPr>
+            <a:spLocks noGrp="1"/>
+          </p:cNvSpPr>
           <p:nvPr>
             <p:ph type="title"/>
           </p:nvPr>
@@ -1835,7 +1757,7 @@
         </p:spPr>
         <p:txBody>
           <a:bodyPr lIns="0" tIns="0" rIns="0" bIns="0" anchor="ctr">
-            <a:normAutofit fontScale="100000" lnSpcReduction="0"/>
+            <a:normAutofit/>
           </a:bodyPr>
           <a:lstStyle/>
           <a:p>
@@ -1860,7 +1782,9 @@
       <p:sp>
         <p:nvSpPr>
           <p:cNvPr id="3" name="Shape 3"/>
-          <p:cNvSpPr/>
+          <p:cNvSpPr>
+            <a:spLocks noGrp="1"/>
+          </p:cNvSpPr>
           <p:nvPr>
             <p:ph type="body" idx="1"/>
           </p:nvPr>
@@ -1884,7 +1808,7 @@
         </p:spPr>
         <p:txBody>
           <a:bodyPr lIns="0" tIns="0" rIns="0" bIns="0" anchor="ctr">
-            <a:normAutofit fontScale="100000" lnSpcReduction="0"/>
+            <a:normAutofit/>
           </a:bodyPr>
           <a:lstStyle/>
           <a:p>
@@ -1903,11 +1827,6 @@
               </a:rPr>
               <a:t>Body Level One</a:t>
             </a:r>
-            <a:endParaRPr sz="5200">
-              <a:solidFill>
-                <a:srgbClr val="FFFFFF"/>
-              </a:solidFill>
-            </a:endParaRPr>
           </a:p>
           <a:p>
             <a:pPr lvl="1">
@@ -1925,11 +1844,6 @@
               </a:rPr>
               <a:t>Body Level Two</a:t>
             </a:r>
-            <a:endParaRPr sz="5200">
-              <a:solidFill>
-                <a:srgbClr val="FFFFFF"/>
-              </a:solidFill>
-            </a:endParaRPr>
           </a:p>
           <a:p>
             <a:pPr lvl="2">
@@ -1947,11 +1861,6 @@
               </a:rPr>
               <a:t>Body Level Three</a:t>
             </a:r>
-            <a:endParaRPr sz="5200">
-              <a:solidFill>
-                <a:srgbClr val="FFFFFF"/>
-              </a:solidFill>
-            </a:endParaRPr>
           </a:p>
           <a:p>
             <a:pPr lvl="3">
@@ -1969,11 +1878,6 @@
               </a:rPr>
               <a:t>Body Level Four</a:t>
             </a:r>
-            <a:endParaRPr sz="5200">
-              <a:solidFill>
-                <a:srgbClr val="FFFFFF"/>
-              </a:solidFill>
-            </a:endParaRPr>
           </a:p>
           <a:p>
             <a:pPr lvl="4">
@@ -1998,20 +1902,20 @@
   </p:cSld>
   <p:clrMap bg1="dk1" tx1="lt1" bg2="dk2" tx2="lt2" accent1="accent1" accent2="accent2" accent3="accent3" accent4="accent4" accent5="accent5" accent6="accent6" hlink="hlink" folHlink="folHlink"/>
   <p:sldLayoutIdLst>
-    <p:sldLayoutId id="2147483649" r:id="rId2"/>
-    <p:sldLayoutId id="2147483650" r:id="rId3"/>
-    <p:sldLayoutId id="2147483651" r:id="rId4"/>
-    <p:sldLayoutId id="2147483652" r:id="rId5"/>
-    <p:sldLayoutId id="2147483653" r:id="rId6"/>
-    <p:sldLayoutId id="2147483654" r:id="rId7"/>
-    <p:sldLayoutId id="2147483655" r:id="rId8"/>
-    <p:sldLayoutId id="2147483656" r:id="rId9"/>
-    <p:sldLayoutId id="2147483657" r:id="rId10"/>
-    <p:sldLayoutId id="2147483658" r:id="rId11"/>
-    <p:sldLayoutId id="2147483659" r:id="rId12"/>
-    <p:sldLayoutId id="2147483660" r:id="rId13"/>
+    <p:sldLayoutId id="2147483649" r:id="rId1"/>
+    <p:sldLayoutId id="2147483650" r:id="rId2"/>
+    <p:sldLayoutId id="2147483651" r:id="rId3"/>
+    <p:sldLayoutId id="2147483652" r:id="rId4"/>
+    <p:sldLayoutId id="2147483653" r:id="rId5"/>
+    <p:sldLayoutId id="2147483654" r:id="rId6"/>
+    <p:sldLayoutId id="2147483655" r:id="rId7"/>
+    <p:sldLayoutId id="2147483656" r:id="rId8"/>
+    <p:sldLayoutId id="2147483657" r:id="rId9"/>
+    <p:sldLayoutId id="2147483658" r:id="rId10"/>
+    <p:sldLayoutId id="2147483659" r:id="rId11"/>
+    <p:sldLayoutId id="2147483660" r:id="rId12"/>
   </p:sldLayoutIdLst>
-  <p:transition spd="med" advClick="1"/>
+  <p:transition xmlns:p14="http://schemas.microsoft.com/office/powerpoint/2010/main" spd="med"/>
   <p:txStyles>
     <p:titleStyle>
       <a:lvl1pPr algn="ctr" defTabSz="584200">
@@ -2366,15 +2270,16 @@
 </file>
 
 <file path=ppt/slides/slide1.xml><?xml version="1.0" encoding="utf-8"?>
-<p:sld xmlns:a="http://schemas.openxmlformats.org/drawingml/2006/main" xmlns:r="http://schemas.openxmlformats.org/officeDocument/2006/relationships" xmlns:p="http://schemas.openxmlformats.org/presentationml/2006/main" showMasterSp="1" showMasterPhAnim="1">
+<p:sld xmlns:a="http://schemas.openxmlformats.org/drawingml/2006/main" xmlns:r="http://schemas.openxmlformats.org/officeDocument/2006/relationships" xmlns:p="http://schemas.openxmlformats.org/presentationml/2006/main">
   <p:cSld>
     <p:bg>
       <p:bgPr>
         <a:blipFill rotWithShape="1">
           <a:blip r:embed="rId2"/>
-          <a:srcRect l="0" t="0" r="0" b="0"/>
+          <a:srcRect/>
           <a:tile tx="0" ty="0" sx="100000" sy="100000" flip="none" algn="tl"/>
         </a:blipFill>
+        <a:effectLst/>
       </p:bgPr>
     </p:bg>
     <p:spTree>
@@ -2394,7 +2299,9 @@
       <p:sp>
         <p:nvSpPr>
           <p:cNvPr id="32" name="Shape 32"/>
-          <p:cNvSpPr/>
+          <p:cNvSpPr>
+            <a:spLocks noGrp="1"/>
+          </p:cNvSpPr>
           <p:nvPr>
             <p:ph type="title"/>
           </p:nvPr>
@@ -2437,7 +2344,9 @@
       <p:sp>
         <p:nvSpPr>
           <p:cNvPr id="33" name="Shape 33"/>
-          <p:cNvSpPr/>
+          <p:cNvSpPr>
+            <a:spLocks noGrp="1"/>
+          </p:cNvSpPr>
           <p:nvPr>
             <p:ph type="body" idx="1"/>
           </p:nvPr>
@@ -2470,11 +2379,6 @@
               </a:rPr>
               <a:t>by: Ali Younis</a:t>
             </a:r>
-            <a:endParaRPr sz="3168">
-              <a:solidFill>
-                <a:srgbClr val="FFFFFF"/>
-              </a:solidFill>
-            </a:endParaRPr>
           </a:p>
           <a:p>
             <a:pPr lvl="2" indent="329184" algn="l" defTabSz="420624">
@@ -2492,11 +2396,6 @@
               </a:rPr>
               <a:t>Rob Wyant</a:t>
             </a:r>
-            <a:endParaRPr sz="3168">
-              <a:solidFill>
-                <a:srgbClr val="FFFFFF"/>
-              </a:solidFill>
-            </a:endParaRPr>
           </a:p>
           <a:p>
             <a:pPr lvl="2" indent="329184" algn="l" defTabSz="420624">
@@ -2522,12 +2421,12 @@
   <p:clrMapOvr>
     <a:masterClrMapping/>
   </p:clrMapOvr>
-  <p:transition spd="med" advClick="1"/>
+  <p:transition xmlns:p14="http://schemas.microsoft.com/office/powerpoint/2010/main" spd="med"/>
 </p:sld>
 </file>
 
 <file path=ppt/slides/slide2.xml><?xml version="1.0" encoding="utf-8"?>
-<p:sld xmlns:a="http://schemas.openxmlformats.org/drawingml/2006/main" xmlns:r="http://schemas.openxmlformats.org/officeDocument/2006/relationships" xmlns:p="http://schemas.openxmlformats.org/presentationml/2006/main" showMasterSp="1" showMasterPhAnim="1">
+<p:sld xmlns:a="http://schemas.openxmlformats.org/drawingml/2006/main" xmlns:r="http://schemas.openxmlformats.org/officeDocument/2006/relationships" xmlns:p="http://schemas.openxmlformats.org/presentationml/2006/main">
   <p:cSld>
     <p:spTree>
       <p:nvGrpSpPr>
@@ -2546,7 +2445,9 @@
       <p:sp>
         <p:nvSpPr>
           <p:cNvPr id="35" name="Shape 35"/>
-          <p:cNvSpPr/>
+          <p:cNvSpPr>
+            <a:spLocks noGrp="1"/>
+          </p:cNvSpPr>
           <p:nvPr>
             <p:ph type="title"/>
           </p:nvPr>
@@ -2581,21 +2482,29 @@
       <p:sp>
         <p:nvSpPr>
           <p:cNvPr id="36" name="Shape 36"/>
-          <p:cNvSpPr/>
+          <p:cNvSpPr>
+            <a:spLocks noGrp="1"/>
+          </p:cNvSpPr>
           <p:nvPr>
             <p:ph type="body" idx="1"/>
           </p:nvPr>
         </p:nvSpPr>
         <p:spPr>
+          <a:xfrm>
+            <a:off x="636984" y="3245618"/>
+            <a:ext cx="8752949" cy="9509760"/>
+          </a:xfrm>
           <a:prstGeom prst="rect">
             <a:avLst/>
           </a:prstGeom>
         </p:spPr>
         <p:txBody>
-          <a:bodyPr anchor="t"/>
+          <a:bodyPr anchor="t">
+            <a:normAutofit fontScale="92500" lnSpcReduction="10000"/>
+          </a:bodyPr>
           <a:lstStyle/>
           <a:p>
-            <a:pPr lvl="0" marL="565684" indent="-565684" defTabSz="543305">
+            <a:pPr marL="565684" lvl="0" indent="-565684" defTabSz="543305">
               <a:spcBef>
                 <a:spcPts val="2900"/>
               </a:spcBef>
@@ -2606,21 +2515,53 @@
               </a:defRPr>
             </a:pPr>
             <a:r>
-              <a:rPr sz="5208">
-                <a:solidFill>
-                  <a:srgbClr val="FFFFFF"/>
-                </a:solidFill>
-              </a:rPr>
-              <a:t>Use of two variables to store values </a:t>
-            </a:r>
-            <a:endParaRPr sz="5208">
+              <a:rPr sz="5208" dirty="0">
+                <a:solidFill>
+                  <a:srgbClr val="FFFFFF"/>
+                </a:solidFill>
+              </a:rPr>
+              <a:t>Use of two </a:t>
+            </a:r>
+            <a:r>
+              <a:rPr sz="5208" dirty="0" smtClean="0">
+                <a:solidFill>
+                  <a:srgbClr val="FFFFFF"/>
+                </a:solidFill>
+              </a:rPr>
+              <a:t>variables </a:t>
+            </a:r>
+            <a:r>
+              <a:rPr sz="5208" dirty="0">
+                <a:solidFill>
+                  <a:srgbClr val="FFFFFF"/>
+                </a:solidFill>
+              </a:rPr>
+              <a:t>to store </a:t>
+            </a:r>
+            <a:r>
+              <a:rPr sz="5208" dirty="0" smtClean="0">
+                <a:solidFill>
+                  <a:srgbClr val="FFFFFF"/>
+                </a:solidFill>
+              </a:rPr>
+              <a:t>values</a:t>
+            </a:r>
+            <a:r>
+              <a:rPr lang="en-US" sz="5208" dirty="0" smtClean="0">
+                <a:solidFill>
+                  <a:srgbClr val="FFFFFF"/>
+                </a:solidFill>
+              </a:rPr>
+              <a:t>, one variable to store Operation symbol, and one bool to determine if the user is typing or not</a:t>
+            </a:r>
+            <a:endParaRPr sz="5208" dirty="0">
               <a:solidFill>
                 <a:srgbClr val="8B84CF"/>
               </a:solidFill>
             </a:endParaRPr>
           </a:p>
           <a:p>
-            <a:pPr lvl="0" marL="565684" indent="-565684" defTabSz="543305">
+            <a:pPr marL="565684" lvl="0" indent="-565684" defTabSz="543305">
               <a:spcBef>
                 <a:spcPts val="2900"/>
               </a:spcBef>
@@ -2630,39 +2571,14 @@
                 </a:solidFill>
               </a:defRPr>
             </a:pPr>
-            <a:endParaRPr sz="5208">
-              <a:solidFill>
-                <a:srgbClr val="8B84CF"/>
-              </a:solidFill>
-            </a:endParaRPr>
-          </a:p>
-          <a:p>
-            <a:pPr lvl="0" marL="565684" indent="-565684" defTabSz="543305">
-              <a:spcBef>
-                <a:spcPts val="2900"/>
-              </a:spcBef>
-              <a:defRPr sz="1800">
-                <a:solidFill>
-                  <a:srgbClr val="000000"/>
-                </a:solidFill>
-              </a:defRPr>
-            </a:pPr>
-            <a:r>
-              <a:rPr sz="5208">
-                <a:solidFill>
-                  <a:srgbClr val="FFFFFF"/>
-                </a:solidFill>
-              </a:rPr>
-              <a:t>Use of our “special sauce” function to turn string inputs to float values.  </a:t>
-            </a:r>
-            <a:endParaRPr sz="5208">
+            <a:endParaRPr lang="en-US" sz="5208" dirty="0" smtClean="0">
               <a:solidFill>
                 <a:srgbClr val="FFFFFF"/>
               </a:solidFill>
             </a:endParaRPr>
           </a:p>
           <a:p>
-            <a:pPr lvl="0" marL="565684" indent="-565684" defTabSz="543305">
+            <a:pPr marL="565684" lvl="0" indent="-565684" defTabSz="543305">
               <a:spcBef>
                 <a:spcPts val="2900"/>
               </a:spcBef>
@@ -2672,14 +2588,98 @@
                 </a:solidFill>
               </a:defRPr>
             </a:pPr>
-            <a:endParaRPr sz="5208">
+            <a:r>
+              <a:rPr sz="5208" dirty="0" smtClean="0">
+                <a:solidFill>
+                  <a:srgbClr val="FFFFFF"/>
+                </a:solidFill>
+              </a:rPr>
+              <a:t>Use </a:t>
+            </a:r>
+            <a:r>
+              <a:rPr sz="5208" dirty="0">
+                <a:solidFill>
+                  <a:srgbClr val="FFFFFF"/>
+                </a:solidFill>
+              </a:rPr>
+              <a:t>of our “special sauce</a:t>
+            </a:r>
+            <a:r>
+              <a:rPr sz="5208" dirty="0" smtClean="0">
+                <a:solidFill>
+                  <a:srgbClr val="FFFFFF"/>
+                </a:solidFill>
+              </a:rPr>
+              <a:t>”</a:t>
+            </a:r>
+            <a:r>
+              <a:rPr lang="en-US" sz="5208" dirty="0" smtClean="0">
+                <a:solidFill>
+                  <a:srgbClr val="FFFFFF"/>
+                </a:solidFill>
+              </a:rPr>
+              <a:t>-- a</a:t>
+            </a:r>
+            <a:r>
+              <a:rPr sz="5208" dirty="0" smtClean="0">
+                <a:solidFill>
+                  <a:srgbClr val="FFFFFF"/>
+                </a:solidFill>
+              </a:rPr>
+              <a:t> </a:t>
+            </a:r>
+            <a:r>
+              <a:rPr sz="5208" dirty="0">
+                <a:solidFill>
+                  <a:srgbClr val="FFFFFF"/>
+                </a:solidFill>
+              </a:rPr>
+              <a:t>function to turn string inputs to </a:t>
+            </a:r>
+            <a:r>
+              <a:rPr lang="en-US" sz="5208" dirty="0" smtClean="0">
+                <a:solidFill>
+                  <a:srgbClr val="FFFFFF"/>
+                </a:solidFill>
+              </a:rPr>
+              <a:t>double </a:t>
+            </a:r>
+            <a:r>
+              <a:rPr sz="5208" dirty="0" smtClean="0">
+                <a:solidFill>
+                  <a:srgbClr val="FFFFFF"/>
+                </a:solidFill>
+              </a:rPr>
+              <a:t>values</a:t>
+            </a:r>
+            <a:r>
+              <a:rPr sz="5208" dirty="0">
+                <a:solidFill>
+                  <a:srgbClr val="FFFFFF"/>
+                </a:solidFill>
+              </a:rPr>
+              <a:t>.  </a:t>
+            </a:r>
+          </a:p>
+          <a:p>
+            <a:pPr marL="565684" lvl="0" indent="-565684" defTabSz="543305">
+              <a:spcBef>
+                <a:spcPts val="2900"/>
+              </a:spcBef>
+              <a:defRPr sz="1800">
+                <a:solidFill>
+                  <a:srgbClr val="000000"/>
+                </a:solidFill>
+              </a:defRPr>
+            </a:pPr>
+            <a:endParaRPr sz="5208" dirty="0">
               <a:solidFill>
                 <a:srgbClr val="FFFFFF"/>
               </a:solidFill>
             </a:endParaRPr>
           </a:p>
           <a:p>
-            <a:pPr lvl="0" marL="565684" indent="-565684" defTabSz="543305">
+            <a:pPr marL="565684" lvl="0" indent="-565684" defTabSz="543305">
               <a:spcBef>
                 <a:spcPts val="2900"/>
               </a:spcBef>
@@ -2690,7 +2690,7 @@
               </a:defRPr>
             </a:pPr>
             <a:r>
-              <a:rPr sz="5208">
+              <a:rPr sz="5208" dirty="0">
                 <a:solidFill>
                   <a:srgbClr val="FFFFFF"/>
                 </a:solidFill>
@@ -2708,8 +2708,8 @@
         </p:nvSpPr>
         <p:spPr>
           <a:xfrm>
-            <a:off x="12743180" y="3991570"/>
-            <a:ext cx="10504984" cy="8143876"/>
+            <a:off x="10390498" y="3322403"/>
+            <a:ext cx="13412743" cy="8915901"/>
           </a:xfrm>
           <a:prstGeom prst="rect">
             <a:avLst/>
@@ -2724,7 +2724,7 @@
           </a:extLst>
         </p:spPr>
         <p:txBody>
-          <a:bodyPr lIns="71437" tIns="71437" rIns="71437" bIns="71437" anchor="ctr">
+          <a:bodyPr wrap="square" lIns="71437" tIns="71437" rIns="71437" bIns="71437" anchor="ctr">
             <a:spAutoFit/>
           </a:bodyPr>
           <a:lstStyle/>
@@ -2740,7 +2740,7 @@
               </a:defRPr>
             </a:pPr>
             <a:r>
-              <a:rPr sz="3000">
+              <a:rPr sz="3000" dirty="0" smtClean="0">
                 <a:solidFill>
                   <a:srgbClr val="C2349B"/>
                 </a:solidFill>
@@ -2752,7 +2752,7 @@
               <a:t>var</a:t>
             </a:r>
             <a:r>
-              <a:rPr sz="3000">
+              <a:rPr sz="3000" dirty="0" smtClean="0">
                 <a:solidFill>
                   <a:srgbClr val="FFFFFF"/>
                 </a:solidFill>
@@ -2761,21 +2761,159 @@
                 <a:cs typeface="Menlo"/>
                 <a:sym typeface="Menlo"/>
               </a:rPr>
-              <a:t> firstNumber = </a:t>
-            </a:r>
-            <a:r>
-              <a:rPr sz="3000">
-                <a:solidFill>
-                  <a:srgbClr val="8B84CF"/>
+              <a:t> </a:t>
+            </a:r>
+            <a:r>
+              <a:rPr sz="3000" dirty="0">
+                <a:solidFill>
+                  <a:srgbClr val="FFFFFF"/>
                 </a:solidFill>
                 <a:latin typeface="Menlo"/>
                 <a:ea typeface="Menlo"/>
                 <a:cs typeface="Menlo"/>
                 <a:sym typeface="Menlo"/>
               </a:rPr>
+              <a:t>firstNumber = </a:t>
+            </a:r>
+            <a:r>
+              <a:rPr sz="3000" dirty="0">
+                <a:solidFill>
+                  <a:srgbClr val="8B84CF"/>
+                </a:solidFill>
+                <a:latin typeface="Menlo"/>
+                <a:ea typeface="Menlo"/>
+                <a:cs typeface="Menlo"/>
+                <a:sym typeface="Menlo"/>
+              </a:rPr>
               <a:t>0.0</a:t>
             </a:r>
-            <a:endParaRPr sz="3000">
+          </a:p>
+          <a:p>
+            <a:pPr lvl="0" algn="l" defTabSz="457200">
+              <a:tabLst>
+                <a:tab pos="330200" algn="l"/>
+              </a:tabLst>
+              <a:defRPr sz="1800">
+                <a:solidFill>
+                  <a:srgbClr val="000000"/>
+                </a:solidFill>
+              </a:defRPr>
+            </a:pPr>
+            <a:r>
+              <a:rPr sz="3000" dirty="0">
+                <a:solidFill>
+                  <a:srgbClr val="C2349B"/>
+                </a:solidFill>
+                <a:latin typeface="Menlo"/>
+                <a:ea typeface="Menlo"/>
+                <a:cs typeface="Menlo"/>
+                <a:sym typeface="Menlo"/>
+              </a:rPr>
+              <a:t>var</a:t>
+            </a:r>
+            <a:r>
+              <a:rPr sz="3000" dirty="0">
+                <a:solidFill>
+                  <a:srgbClr val="FFFFFF"/>
+                </a:solidFill>
+                <a:latin typeface="Menlo"/>
+                <a:ea typeface="Menlo"/>
+                <a:cs typeface="Menlo"/>
+                <a:sym typeface="Menlo"/>
+              </a:rPr>
+              <a:t> secondNumber = </a:t>
+            </a:r>
+            <a:r>
+              <a:rPr sz="3000" dirty="0">
+                <a:solidFill>
+                  <a:srgbClr val="8B84CF"/>
+                </a:solidFill>
+                <a:latin typeface="Menlo"/>
+                <a:ea typeface="Menlo"/>
+                <a:cs typeface="Menlo"/>
+                <a:sym typeface="Menlo"/>
+              </a:rPr>
+              <a:t>0.0</a:t>
+            </a:r>
+          </a:p>
+          <a:p>
+            <a:pPr algn="l" defTabSz="457200">
+              <a:tabLst>
+                <a:tab pos="330200" algn="l"/>
+              </a:tabLst>
+              <a:defRPr sz="1800">
+                <a:solidFill>
+                  <a:srgbClr val="000000"/>
+                </a:solidFill>
+              </a:defRPr>
+            </a:pPr>
+            <a:r>
+              <a:rPr lang="en-US" sz="3000" dirty="0" err="1">
+                <a:solidFill>
+                  <a:srgbClr val="C2349B"/>
+                </a:solidFill>
+                <a:latin typeface="Menlo"/>
+                <a:ea typeface="Menlo"/>
+                <a:cs typeface="Menlo"/>
+                <a:sym typeface="Menlo"/>
+              </a:rPr>
+              <a:t>var</a:t>
+            </a:r>
+            <a:r>
+              <a:rPr lang="en-US" sz="3000" dirty="0">
+                <a:latin typeface="Menlo"/>
+                <a:ea typeface="Menlo"/>
+                <a:cs typeface="Menlo"/>
+                <a:sym typeface="Menlo"/>
+              </a:rPr>
+              <a:t> </a:t>
+            </a:r>
+            <a:r>
+              <a:rPr lang="en-US" sz="3000" dirty="0" err="1" smtClean="0">
+                <a:solidFill>
+                  <a:schemeClr val="tx1"/>
+                </a:solidFill>
+                <a:latin typeface="Menlo"/>
+                <a:ea typeface="Menlo"/>
+                <a:cs typeface="Menlo"/>
+                <a:sym typeface="Menlo"/>
+              </a:rPr>
+              <a:t>symbolForCalculation</a:t>
+            </a:r>
+            <a:r>
+              <a:rPr lang="en-US" sz="3000" dirty="0" smtClean="0">
+                <a:solidFill>
+                  <a:schemeClr val="tx1"/>
+                </a:solidFill>
+                <a:latin typeface="Menlo"/>
+                <a:ea typeface="Menlo"/>
+                <a:cs typeface="Menlo"/>
+                <a:sym typeface="Menlo"/>
+              </a:rPr>
+              <a:t> =</a:t>
+            </a:r>
+            <a:r>
+              <a:rPr lang="en-US" sz="3000" dirty="0" smtClean="0">
+                <a:latin typeface="Menlo"/>
+                <a:ea typeface="Menlo"/>
+                <a:cs typeface="Menlo"/>
+                <a:sym typeface="Menlo"/>
+              </a:rPr>
+              <a:t> </a:t>
+            </a:r>
+            <a:r>
+              <a:rPr lang="en-US" sz="3000" dirty="0">
+                <a:solidFill>
+                  <a:srgbClr val="8B84CF"/>
+                </a:solidFill>
+                <a:latin typeface="Menlo"/>
+                <a:ea typeface="Menlo"/>
+                <a:cs typeface="Menlo"/>
+                <a:sym typeface="Menlo"/>
+              </a:rPr>
+              <a:t>“”</a:t>
+            </a:r>
+            <a:endParaRPr lang="en-US" sz="3000" dirty="0">
               <a:solidFill>
                 <a:srgbClr val="8B84CF"/>
               </a:solidFill>
@@ -2786,7 +2924,7 @@
             </a:endParaRPr>
           </a:p>
           <a:p>
-            <a:pPr lvl="0" algn="l" defTabSz="457200">
+            <a:pPr algn="l" defTabSz="457200">
               <a:tabLst>
                 <a:tab pos="330200" algn="l"/>
               </a:tabLst>
@@ -2797,7 +2935,7 @@
               </a:defRPr>
             </a:pPr>
             <a:r>
-              <a:rPr sz="3000">
+              <a:rPr lang="en-US" sz="3000" dirty="0" err="1">
                 <a:solidFill>
                   <a:srgbClr val="C2349B"/>
                 </a:solidFill>
@@ -2809,30 +2947,72 @@
               <a:t>var</a:t>
             </a:r>
             <a:r>
-              <a:rPr sz="3000">
-                <a:solidFill>
-                  <a:srgbClr val="FFFFFF"/>
-                </a:solidFill>
+              <a:rPr lang="en-US" sz="3000" dirty="0">
                 <a:latin typeface="Menlo"/>
                 <a:ea typeface="Menlo"/>
                 <a:cs typeface="Menlo"/>
                 <a:sym typeface="Menlo"/>
               </a:rPr>
-              <a:t> secondNumber = </a:t>
-            </a:r>
-            <a:r>
-              <a:rPr sz="3000">
-                <a:solidFill>
-                  <a:srgbClr val="8B84CF"/>
+              <a:t> </a:t>
+            </a:r>
+            <a:r>
+              <a:rPr lang="en-US" sz="3000" dirty="0" err="1" smtClean="0">
+                <a:solidFill>
+                  <a:schemeClr val="tx1"/>
                 </a:solidFill>
                 <a:latin typeface="Menlo"/>
                 <a:ea typeface="Menlo"/>
                 <a:cs typeface="Menlo"/>
                 <a:sym typeface="Menlo"/>
               </a:rPr>
-              <a:t>0.0</a:t>
-            </a:r>
-            <a:endParaRPr sz="3000">
+              <a:t>userIsInTheMiddleOfTypingANumber</a:t>
+            </a:r>
+            <a:r>
+              <a:rPr lang="en-US" sz="3000" dirty="0" smtClean="0">
+                <a:solidFill>
+                  <a:schemeClr val="tx1"/>
+                </a:solidFill>
+                <a:latin typeface="Menlo"/>
+                <a:ea typeface="Menlo"/>
+                <a:cs typeface="Menlo"/>
+                <a:sym typeface="Menlo"/>
+              </a:rPr>
+              <a:t> </a:t>
+            </a:r>
+            <a:r>
+              <a:rPr lang="en-US" sz="3000" dirty="0">
+                <a:solidFill>
+                  <a:schemeClr val="tx1"/>
+                </a:solidFill>
+                <a:latin typeface="Menlo"/>
+                <a:ea typeface="Menlo"/>
+                <a:cs typeface="Menlo"/>
+                <a:sym typeface="Menlo"/>
+              </a:rPr>
+              <a:t>=</a:t>
+            </a:r>
+            <a:r>
+              <a:rPr lang="en-US" sz="3000" dirty="0">
+                <a:latin typeface="Menlo"/>
+                <a:ea typeface="Menlo"/>
+                <a:cs typeface="Menlo"/>
+                <a:sym typeface="Menlo"/>
+              </a:rPr>
+              <a:t> </a:t>
+            </a:r>
+            <a:r>
+              <a:rPr lang="en-US" sz="3000" dirty="0" smtClean="0">
+                <a:solidFill>
+                  <a:srgbClr val="8B84CF"/>
+                </a:solidFill>
+                <a:latin typeface="Menlo"/>
+                <a:ea typeface="Menlo"/>
+                <a:cs typeface="Menlo"/>
+                <a:sym typeface="Menlo"/>
+              </a:rPr>
+              <a:t>false</a:t>
+            </a:r>
+            <a:endParaRPr lang="en-US" sz="3000" dirty="0">
               <a:solidFill>
                 <a:srgbClr val="8B84CF"/>
               </a:solidFill>
@@ -2853,7 +3033,7 @@
                 </a:solidFill>
               </a:defRPr>
             </a:pPr>
-            <a:endParaRPr sz="3000">
+            <a:endParaRPr lang="en-US" sz="3000" dirty="0" smtClean="0">
               <a:solidFill>
                 <a:srgbClr val="8B84CF"/>
               </a:solidFill>
@@ -2874,7 +3054,7 @@
                 </a:solidFill>
               </a:defRPr>
             </a:pPr>
-            <a:endParaRPr sz="3000">
+            <a:endParaRPr lang="en-US" sz="3000" dirty="0">
               <a:solidFill>
                 <a:srgbClr val="8B84CF"/>
               </a:solidFill>
@@ -2895,7 +3075,7 @@
                 </a:solidFill>
               </a:defRPr>
             </a:pPr>
-            <a:endParaRPr sz="3000">
+            <a:endParaRPr sz="3000" dirty="0">
               <a:solidFill>
                 <a:srgbClr val="8B84CF"/>
               </a:solidFill>
@@ -2916,8 +3096,29 @@
                 </a:solidFill>
               </a:defRPr>
             </a:pPr>
-            <a:r>
-              <a:rPr sz="3000">
+            <a:endParaRPr sz="3000" dirty="0">
+              <a:solidFill>
+                <a:srgbClr val="8B84CF"/>
+              </a:solidFill>
+              <a:latin typeface="Menlo"/>
+              <a:ea typeface="Menlo"/>
+              <a:cs typeface="Menlo"/>
+              <a:sym typeface="Menlo"/>
+            </a:endParaRPr>
+          </a:p>
+          <a:p>
+            <a:pPr lvl="0" algn="l" defTabSz="457200">
+              <a:tabLst>
+                <a:tab pos="330200" algn="l"/>
+              </a:tabLst>
+              <a:defRPr sz="1800">
+                <a:solidFill>
+                  <a:srgbClr val="000000"/>
+                </a:solidFill>
+              </a:defRPr>
+            </a:pPr>
+            <a:r>
+              <a:rPr sz="3000" dirty="0">
                 <a:solidFill>
                   <a:srgbClr val="C2349B"/>
                 </a:solidFill>
@@ -2929,7 +3130,7 @@
               <a:t>var</a:t>
             </a:r>
             <a:r>
-              <a:rPr sz="3000">
+              <a:rPr sz="3000" dirty="0">
                 <a:solidFill>
                   <a:srgbClr val="FFFFFF"/>
                 </a:solidFill>
@@ -2941,7 +3142,7 @@
               <a:t> displayValue: </a:t>
             </a:r>
             <a:r>
-              <a:rPr sz="3000">
+              <a:rPr sz="3000" dirty="0">
                 <a:solidFill>
                   <a:srgbClr val="00AFCA"/>
                 </a:solidFill>
@@ -2953,7 +3154,7 @@
               <a:t>Double</a:t>
             </a:r>
             <a:r>
-              <a:rPr sz="3000">
+              <a:rPr sz="3000" dirty="0">
                 <a:solidFill>
                   <a:srgbClr val="FFFFFF"/>
                 </a:solidFill>
@@ -2964,7 +3165,256 @@
               </a:rPr>
               <a:t> {</a:t>
             </a:r>
-            <a:endParaRPr sz="3000">
+          </a:p>
+          <a:p>
+            <a:pPr lvl="0" algn="l" defTabSz="457200">
+              <a:tabLst>
+                <a:tab pos="330200" algn="l"/>
+              </a:tabLst>
+              <a:defRPr sz="1800">
+                <a:solidFill>
+                  <a:srgbClr val="000000"/>
+                </a:solidFill>
+              </a:defRPr>
+            </a:pPr>
+            <a:r>
+              <a:rPr sz="3000" dirty="0">
+                <a:solidFill>
+                  <a:srgbClr val="FFFFFF"/>
+                </a:solidFill>
+                <a:latin typeface="Menlo"/>
+                <a:ea typeface="Menlo"/>
+                <a:cs typeface="Menlo"/>
+                <a:sym typeface="Menlo"/>
+              </a:rPr>
+              <a:t>        </a:t>
+            </a:r>
+            <a:r>
+              <a:rPr sz="3000" dirty="0">
+                <a:solidFill>
+                  <a:srgbClr val="C2349B"/>
+                </a:solidFill>
+                <a:latin typeface="Menlo"/>
+                <a:ea typeface="Menlo"/>
+                <a:cs typeface="Menlo"/>
+                <a:sym typeface="Menlo"/>
+              </a:rPr>
+              <a:t>get</a:t>
+            </a:r>
+            <a:r>
+              <a:rPr sz="3000" dirty="0">
+                <a:solidFill>
+                  <a:srgbClr val="FFFFFF"/>
+                </a:solidFill>
+                <a:latin typeface="Menlo"/>
+                <a:ea typeface="Menlo"/>
+                <a:cs typeface="Menlo"/>
+                <a:sym typeface="Menlo"/>
+              </a:rPr>
+              <a:t> {</a:t>
+            </a:r>
+          </a:p>
+          <a:p>
+            <a:pPr lvl="0" algn="l" defTabSz="457200">
+              <a:tabLst>
+                <a:tab pos="330200" algn="l"/>
+              </a:tabLst>
+              <a:defRPr sz="1800">
+                <a:solidFill>
+                  <a:srgbClr val="000000"/>
+                </a:solidFill>
+              </a:defRPr>
+            </a:pPr>
+            <a:r>
+              <a:rPr sz="3000" dirty="0">
+                <a:solidFill>
+                  <a:srgbClr val="FFFFFF"/>
+                </a:solidFill>
+                <a:latin typeface="Menlo"/>
+                <a:ea typeface="Menlo"/>
+                <a:cs typeface="Menlo"/>
+                <a:sym typeface="Menlo"/>
+              </a:rPr>
+              <a:t>            </a:t>
+            </a:r>
+            <a:r>
+              <a:rPr sz="3000" dirty="0">
+                <a:solidFill>
+                  <a:srgbClr val="C2349B"/>
+                </a:solidFill>
+                <a:latin typeface="Menlo"/>
+                <a:ea typeface="Menlo"/>
+                <a:cs typeface="Menlo"/>
+                <a:sym typeface="Menlo"/>
+              </a:rPr>
+              <a:t>return</a:t>
+            </a:r>
+            <a:r>
+              <a:rPr sz="3000" dirty="0">
+                <a:solidFill>
+                  <a:srgbClr val="FFFFFF"/>
+                </a:solidFill>
+                <a:latin typeface="Menlo"/>
+                <a:ea typeface="Menlo"/>
+                <a:cs typeface="Menlo"/>
+                <a:sym typeface="Menlo"/>
+              </a:rPr>
+              <a:t> </a:t>
+            </a:r>
+            <a:r>
+              <a:rPr sz="3000" dirty="0">
+                <a:solidFill>
+                  <a:srgbClr val="00AFCA"/>
+                </a:solidFill>
+                <a:latin typeface="Menlo"/>
+                <a:ea typeface="Menlo"/>
+                <a:cs typeface="Menlo"/>
+                <a:sym typeface="Menlo"/>
+              </a:rPr>
+              <a:t>NSNumberFormatter</a:t>
+            </a:r>
+            <a:r>
+              <a:rPr sz="3000" dirty="0">
+                <a:solidFill>
+                  <a:srgbClr val="FFFFFF"/>
+                </a:solidFill>
+                <a:latin typeface="Menlo"/>
+                <a:ea typeface="Menlo"/>
+                <a:cs typeface="Menlo"/>
+                <a:sym typeface="Menlo"/>
+              </a:rPr>
+              <a:t>().</a:t>
+            </a:r>
+            <a:r>
+              <a:rPr sz="3000" dirty="0" smtClean="0">
+                <a:solidFill>
+                  <a:srgbClr val="00AFCA"/>
+                </a:solidFill>
+                <a:latin typeface="Menlo"/>
+                <a:ea typeface="Menlo"/>
+                <a:cs typeface="Menlo"/>
+                <a:sym typeface="Menlo"/>
+              </a:rPr>
+              <a:t>numberFromString</a:t>
+            </a:r>
+            <a:endParaRPr lang="en-US" sz="3000" dirty="0" smtClean="0">
+              <a:solidFill>
+                <a:srgbClr val="00AFCA"/>
+              </a:solidFill>
+              <a:latin typeface="Menlo"/>
+              <a:ea typeface="Menlo"/>
+              <a:cs typeface="Menlo"/>
+              <a:sym typeface="Menlo"/>
+            </a:endParaRPr>
+          </a:p>
+          <a:p>
+            <a:pPr lvl="0" algn="l" defTabSz="457200">
+              <a:tabLst>
+                <a:tab pos="330200" algn="l"/>
+              </a:tabLst>
+              <a:defRPr sz="1800">
+                <a:solidFill>
+                  <a:srgbClr val="000000"/>
+                </a:solidFill>
+              </a:defRPr>
+            </a:pPr>
+            <a:r>
+              <a:rPr lang="en-US" sz="3000" dirty="0">
+                <a:solidFill>
+                  <a:srgbClr val="00AFCA"/>
+                </a:solidFill>
+                <a:latin typeface="Menlo"/>
+                <a:ea typeface="Menlo"/>
+                <a:cs typeface="Menlo"/>
+                <a:sym typeface="Menlo"/>
+              </a:rPr>
+              <a:t>	</a:t>
+            </a:r>
+            <a:r>
+              <a:rPr lang="en-US" sz="3000" dirty="0" smtClean="0">
+                <a:solidFill>
+                  <a:srgbClr val="00AFCA"/>
+                </a:solidFill>
+                <a:latin typeface="Menlo"/>
+                <a:ea typeface="Menlo"/>
+                <a:cs typeface="Menlo"/>
+                <a:sym typeface="Menlo"/>
+              </a:rPr>
+              <a:t>											</a:t>
+            </a:r>
+            <a:r>
+              <a:rPr sz="3000" dirty="0" smtClean="0">
+                <a:solidFill>
+                  <a:srgbClr val="FFFFFF"/>
+                </a:solidFill>
+                <a:latin typeface="Menlo"/>
+                <a:ea typeface="Menlo"/>
+                <a:cs typeface="Menlo"/>
+                <a:sym typeface="Menlo"/>
+              </a:rPr>
+              <a:t>(</a:t>
+            </a:r>
+            <a:r>
+              <a:rPr sz="3000" dirty="0">
+                <a:solidFill>
+                  <a:srgbClr val="93C86A"/>
+                </a:solidFill>
+                <a:latin typeface="Menlo"/>
+                <a:ea typeface="Menlo"/>
+                <a:cs typeface="Menlo"/>
+                <a:sym typeface="Menlo"/>
+              </a:rPr>
+              <a:t>calcDisplay</a:t>
+            </a:r>
+            <a:r>
+              <a:rPr sz="3000" dirty="0">
+                <a:solidFill>
+                  <a:srgbClr val="FFFFFF"/>
+                </a:solidFill>
+                <a:latin typeface="Menlo"/>
+                <a:ea typeface="Menlo"/>
+                <a:cs typeface="Menlo"/>
+                <a:sym typeface="Menlo"/>
+              </a:rPr>
+              <a:t>.</a:t>
+            </a:r>
+            <a:r>
+              <a:rPr sz="3000" dirty="0">
+                <a:solidFill>
+                  <a:srgbClr val="00AFCA"/>
+                </a:solidFill>
+                <a:latin typeface="Menlo"/>
+                <a:ea typeface="Menlo"/>
+                <a:cs typeface="Menlo"/>
+                <a:sym typeface="Menlo"/>
+              </a:rPr>
+              <a:t>text</a:t>
+            </a:r>
+            <a:r>
+              <a:rPr sz="3000" dirty="0">
+                <a:solidFill>
+                  <a:srgbClr val="FFFFFF"/>
+                </a:solidFill>
+                <a:latin typeface="Menlo"/>
+                <a:ea typeface="Menlo"/>
+                <a:cs typeface="Menlo"/>
+                <a:sym typeface="Menlo"/>
+              </a:rPr>
+              <a:t>!)!.</a:t>
+            </a:r>
+            <a:r>
+              <a:rPr sz="3000" dirty="0">
+                <a:solidFill>
+                  <a:srgbClr val="00AFCA"/>
+                </a:solidFill>
+                <a:latin typeface="Menlo"/>
+                <a:ea typeface="Menlo"/>
+                <a:cs typeface="Menlo"/>
+                <a:sym typeface="Menlo"/>
+              </a:rPr>
+              <a:t>doubleValue</a:t>
+            </a:r>
+            <a:endParaRPr sz="3000" dirty="0">
               <a:solidFill>
                 <a:srgbClr val="FFFFFF"/>
               </a:solidFill>
@@ -2986,7 +3436,7 @@
               </a:defRPr>
             </a:pPr>
             <a:r>
-              <a:rPr sz="3000">
+              <a:rPr sz="3000" dirty="0">
                 <a:solidFill>
                   <a:srgbClr val="FFFFFF"/>
                 </a:solidFill>
@@ -2995,10 +3445,10 @@
                 <a:cs typeface="Menlo"/>
                 <a:sym typeface="Menlo"/>
               </a:rPr>
-              <a:t>        </a:t>
-            </a:r>
-            <a:r>
-              <a:rPr sz="3000">
+              <a:t>        } </a:t>
+            </a:r>
+            <a:r>
+              <a:rPr sz="3000" dirty="0">
                 <a:solidFill>
                   <a:srgbClr val="C2349B"/>
                 </a:solidFill>
@@ -3007,10 +3457,10 @@
                 <a:cs typeface="Menlo"/>
                 <a:sym typeface="Menlo"/>
               </a:rPr>
-              <a:t>get</a:t>
-            </a:r>
-            <a:r>
-              <a:rPr sz="3000">
+              <a:t>set</a:t>
+            </a:r>
+            <a:r>
+              <a:rPr sz="3000" dirty="0">
                 <a:solidFill>
                   <a:srgbClr val="FFFFFF"/>
                 </a:solidFill>
@@ -3021,7 +3471,115 @@
               </a:rPr>
               <a:t> {</a:t>
             </a:r>
-            <a:endParaRPr sz="3000">
+          </a:p>
+          <a:p>
+            <a:pPr lvl="0" algn="l" defTabSz="457200">
+              <a:tabLst>
+                <a:tab pos="330200" algn="l"/>
+              </a:tabLst>
+              <a:defRPr sz="1800">
+                <a:solidFill>
+                  <a:srgbClr val="000000"/>
+                </a:solidFill>
+              </a:defRPr>
+            </a:pPr>
+            <a:r>
+              <a:rPr sz="3000" dirty="0">
+                <a:solidFill>
+                  <a:srgbClr val="FFFFFF"/>
+                </a:solidFill>
+                <a:latin typeface="Menlo"/>
+                <a:ea typeface="Menlo"/>
+                <a:cs typeface="Menlo"/>
+                <a:sym typeface="Menlo"/>
+              </a:rPr>
+              <a:t>            </a:t>
+            </a:r>
+            <a:r>
+              <a:rPr sz="3000" dirty="0">
+                <a:solidFill>
+                  <a:srgbClr val="93C86A"/>
+                </a:solidFill>
+                <a:latin typeface="Menlo"/>
+                <a:ea typeface="Menlo"/>
+                <a:cs typeface="Menlo"/>
+                <a:sym typeface="Menlo"/>
+              </a:rPr>
+              <a:t>calcDisplay</a:t>
+            </a:r>
+            <a:r>
+              <a:rPr sz="3000" dirty="0">
+                <a:solidFill>
+                  <a:srgbClr val="FFFFFF"/>
+                </a:solidFill>
+                <a:latin typeface="Menlo"/>
+                <a:ea typeface="Menlo"/>
+                <a:cs typeface="Menlo"/>
+                <a:sym typeface="Menlo"/>
+              </a:rPr>
+              <a:t>.</a:t>
+            </a:r>
+            <a:r>
+              <a:rPr sz="3000" dirty="0">
+                <a:solidFill>
+                  <a:srgbClr val="00AFCA"/>
+                </a:solidFill>
+                <a:latin typeface="Menlo"/>
+                <a:ea typeface="Menlo"/>
+                <a:cs typeface="Menlo"/>
+                <a:sym typeface="Menlo"/>
+              </a:rPr>
+              <a:t>text</a:t>
+            </a:r>
+            <a:r>
+              <a:rPr sz="3000" dirty="0">
+                <a:solidFill>
+                  <a:srgbClr val="FFFFFF"/>
+                </a:solidFill>
+                <a:latin typeface="Menlo"/>
+                <a:ea typeface="Menlo"/>
+                <a:cs typeface="Menlo"/>
+                <a:sym typeface="Menlo"/>
+              </a:rPr>
+              <a:t> = </a:t>
+            </a:r>
+            <a:r>
+              <a:rPr sz="3000" dirty="0">
+                <a:solidFill>
+                  <a:srgbClr val="E44448"/>
+                </a:solidFill>
+                <a:latin typeface="Menlo"/>
+                <a:ea typeface="Menlo"/>
+                <a:cs typeface="Menlo"/>
+                <a:sym typeface="Menlo"/>
+              </a:rPr>
+              <a:t>"</a:t>
+            </a:r>
+            <a:r>
+              <a:rPr sz="3000" dirty="0">
+                <a:solidFill>
+                  <a:srgbClr val="FFFFFF"/>
+                </a:solidFill>
+                <a:latin typeface="Menlo"/>
+                <a:ea typeface="Menlo"/>
+                <a:cs typeface="Menlo"/>
+                <a:sym typeface="Menlo"/>
+              </a:rPr>
+              <a:t>\(newValue)</a:t>
+            </a:r>
+            <a:r>
+              <a:rPr sz="3000" dirty="0">
+                <a:solidFill>
+                  <a:srgbClr val="E44448"/>
+                </a:solidFill>
+                <a:latin typeface="Menlo"/>
+                <a:ea typeface="Menlo"/>
+                <a:cs typeface="Menlo"/>
+                <a:sym typeface="Menlo"/>
+              </a:rPr>
+              <a:t>"</a:t>
+            </a:r>
+            <a:endParaRPr sz="3000" dirty="0">
               <a:solidFill>
                 <a:srgbClr val="FFFFFF"/>
               </a:solidFill>
@@ -3043,7 +3601,7 @@
               </a:defRPr>
             </a:pPr>
             <a:r>
-              <a:rPr sz="3000">
+              <a:rPr sz="3000" dirty="0">
                 <a:solidFill>
                   <a:srgbClr val="FFFFFF"/>
                 </a:solidFill>
@@ -3052,381 +3610,33 @@
                 <a:cs typeface="Menlo"/>
                 <a:sym typeface="Menlo"/>
               </a:rPr>
-              <a:t>            </a:t>
-            </a:r>
-            <a:r>
-              <a:rPr sz="3000">
-                <a:solidFill>
-                  <a:srgbClr val="C2349B"/>
+              <a:t>        }</a:t>
+            </a:r>
+          </a:p>
+          <a:p>
+            <a:pPr lvl="0" algn="l" defTabSz="457200">
+              <a:tabLst>
+                <a:tab pos="330200" algn="l"/>
+              </a:tabLst>
+              <a:defRPr sz="1800">
+                <a:solidFill>
+                  <a:srgbClr val="000000"/>
+                </a:solidFill>
+              </a:defRPr>
+            </a:pPr>
+            <a:r>
+              <a:rPr sz="3000" dirty="0">
+                <a:solidFill>
+                  <a:srgbClr val="FFFFFF"/>
                 </a:solidFill>
                 <a:latin typeface="Menlo"/>
                 <a:ea typeface="Menlo"/>
                 <a:cs typeface="Menlo"/>
                 <a:sym typeface="Menlo"/>
               </a:rPr>
-              <a:t>return</a:t>
-            </a:r>
-            <a:r>
-              <a:rPr sz="3000">
-                <a:solidFill>
-                  <a:srgbClr val="FFFFFF"/>
-                </a:solidFill>
-                <a:latin typeface="Menlo"/>
-                <a:ea typeface="Menlo"/>
-                <a:cs typeface="Menlo"/>
-                <a:sym typeface="Menlo"/>
-              </a:rPr>
-              <a:t> </a:t>
-            </a:r>
-            <a:r>
-              <a:rPr sz="3000">
-                <a:solidFill>
-                  <a:srgbClr val="00AFCA"/>
-                </a:solidFill>
-                <a:latin typeface="Menlo"/>
-                <a:ea typeface="Menlo"/>
-                <a:cs typeface="Menlo"/>
-                <a:sym typeface="Menlo"/>
-              </a:rPr>
-              <a:t>NSNumberFormatter</a:t>
-            </a:r>
-            <a:r>
-              <a:rPr sz="3000">
-                <a:solidFill>
-                  <a:srgbClr val="FFFFFF"/>
-                </a:solidFill>
-                <a:latin typeface="Menlo"/>
-                <a:ea typeface="Menlo"/>
-                <a:cs typeface="Menlo"/>
-                <a:sym typeface="Menlo"/>
-              </a:rPr>
-              <a:t>().</a:t>
-            </a:r>
-            <a:r>
-              <a:rPr sz="3000">
-                <a:solidFill>
-                  <a:srgbClr val="00AFCA"/>
-                </a:solidFill>
-                <a:latin typeface="Menlo"/>
-                <a:ea typeface="Menlo"/>
-                <a:cs typeface="Menlo"/>
-                <a:sym typeface="Menlo"/>
-              </a:rPr>
-              <a:t>numberFromString</a:t>
-            </a:r>
-            <a:r>
-              <a:rPr sz="3000">
-                <a:solidFill>
-                  <a:srgbClr val="FFFFFF"/>
-                </a:solidFill>
-                <a:latin typeface="Menlo"/>
-                <a:ea typeface="Menlo"/>
-                <a:cs typeface="Menlo"/>
-                <a:sym typeface="Menlo"/>
-              </a:rPr>
-              <a:t>(</a:t>
-            </a:r>
-            <a:r>
-              <a:rPr sz="3000">
-                <a:solidFill>
-                  <a:srgbClr val="93C86A"/>
-                </a:solidFill>
-                <a:latin typeface="Menlo"/>
-                <a:ea typeface="Menlo"/>
-                <a:cs typeface="Menlo"/>
-                <a:sym typeface="Menlo"/>
-              </a:rPr>
-              <a:t>calcDisplay</a:t>
-            </a:r>
-            <a:r>
-              <a:rPr sz="3000">
-                <a:solidFill>
-                  <a:srgbClr val="FFFFFF"/>
-                </a:solidFill>
-                <a:latin typeface="Menlo"/>
-                <a:ea typeface="Menlo"/>
-                <a:cs typeface="Menlo"/>
-                <a:sym typeface="Menlo"/>
-              </a:rPr>
-              <a:t>.</a:t>
-            </a:r>
-            <a:r>
-              <a:rPr sz="3000">
-                <a:solidFill>
-                  <a:srgbClr val="00AFCA"/>
-                </a:solidFill>
-                <a:latin typeface="Menlo"/>
-                <a:ea typeface="Menlo"/>
-                <a:cs typeface="Menlo"/>
-                <a:sym typeface="Menlo"/>
-              </a:rPr>
-              <a:t>text</a:t>
-            </a:r>
-            <a:r>
-              <a:rPr sz="3000">
-                <a:solidFill>
-                  <a:srgbClr val="FFFFFF"/>
-                </a:solidFill>
-                <a:latin typeface="Menlo"/>
-                <a:ea typeface="Menlo"/>
-                <a:cs typeface="Menlo"/>
-                <a:sym typeface="Menlo"/>
-              </a:rPr>
-              <a:t>!)!.</a:t>
-            </a:r>
-            <a:r>
-              <a:rPr sz="3000">
-                <a:solidFill>
-                  <a:srgbClr val="00AFCA"/>
-                </a:solidFill>
-                <a:latin typeface="Menlo"/>
-                <a:ea typeface="Menlo"/>
-                <a:cs typeface="Menlo"/>
-                <a:sym typeface="Menlo"/>
-              </a:rPr>
-              <a:t>doubleValue</a:t>
-            </a:r>
-            <a:endParaRPr sz="3000">
-              <a:solidFill>
-                <a:srgbClr val="FFFFFF"/>
-              </a:solidFill>
-              <a:latin typeface="Menlo"/>
-              <a:ea typeface="Menlo"/>
-              <a:cs typeface="Menlo"/>
-              <a:sym typeface="Menlo"/>
-            </a:endParaRPr>
-          </a:p>
-          <a:p>
-            <a:pPr lvl="0" algn="l" defTabSz="457200">
-              <a:tabLst>
-                <a:tab pos="330200" algn="l"/>
-              </a:tabLst>
-              <a:defRPr sz="1800">
-                <a:solidFill>
-                  <a:srgbClr val="000000"/>
-                </a:solidFill>
-              </a:defRPr>
-            </a:pPr>
-            <a:r>
-              <a:rPr sz="3000">
-                <a:solidFill>
-                  <a:srgbClr val="FFFFFF"/>
-                </a:solidFill>
-                <a:latin typeface="Menlo"/>
-                <a:ea typeface="Menlo"/>
-                <a:cs typeface="Menlo"/>
-                <a:sym typeface="Menlo"/>
-              </a:rPr>
-              <a:t>        } </a:t>
-            </a:r>
-            <a:r>
-              <a:rPr sz="3000">
-                <a:solidFill>
-                  <a:srgbClr val="C2349B"/>
-                </a:solidFill>
-                <a:latin typeface="Menlo"/>
-                <a:ea typeface="Menlo"/>
-                <a:cs typeface="Menlo"/>
-                <a:sym typeface="Menlo"/>
-              </a:rPr>
-              <a:t>set</a:t>
-            </a:r>
-            <a:r>
-              <a:rPr sz="3000">
-                <a:solidFill>
-                  <a:srgbClr val="FFFFFF"/>
-                </a:solidFill>
-                <a:latin typeface="Menlo"/>
-                <a:ea typeface="Menlo"/>
-                <a:cs typeface="Menlo"/>
-                <a:sym typeface="Menlo"/>
-              </a:rPr>
-              <a:t> {</a:t>
-            </a:r>
-            <a:endParaRPr sz="3000">
-              <a:solidFill>
-                <a:srgbClr val="FFFFFF"/>
-              </a:solidFill>
-              <a:latin typeface="Menlo"/>
-              <a:ea typeface="Menlo"/>
-              <a:cs typeface="Menlo"/>
-              <a:sym typeface="Menlo"/>
-            </a:endParaRPr>
-          </a:p>
-          <a:p>
-            <a:pPr lvl="0" algn="l" defTabSz="457200">
-              <a:tabLst>
-                <a:tab pos="330200" algn="l"/>
-              </a:tabLst>
-              <a:defRPr sz="1800">
-                <a:solidFill>
-                  <a:srgbClr val="000000"/>
-                </a:solidFill>
-              </a:defRPr>
-            </a:pPr>
-            <a:r>
-              <a:rPr sz="3000">
-                <a:solidFill>
-                  <a:srgbClr val="FFFFFF"/>
-                </a:solidFill>
-                <a:latin typeface="Menlo"/>
-                <a:ea typeface="Menlo"/>
-                <a:cs typeface="Menlo"/>
-                <a:sym typeface="Menlo"/>
-              </a:rPr>
-              <a:t>            </a:t>
-            </a:r>
-            <a:r>
-              <a:rPr sz="3000">
-                <a:solidFill>
-                  <a:srgbClr val="93C86A"/>
-                </a:solidFill>
-                <a:latin typeface="Menlo"/>
-                <a:ea typeface="Menlo"/>
-                <a:cs typeface="Menlo"/>
-                <a:sym typeface="Menlo"/>
-              </a:rPr>
-              <a:t>calcDisplay</a:t>
-            </a:r>
-            <a:r>
-              <a:rPr sz="3000">
-                <a:solidFill>
-                  <a:srgbClr val="FFFFFF"/>
-                </a:solidFill>
-                <a:latin typeface="Menlo"/>
-                <a:ea typeface="Menlo"/>
-                <a:cs typeface="Menlo"/>
-                <a:sym typeface="Menlo"/>
-              </a:rPr>
-              <a:t>.</a:t>
-            </a:r>
-            <a:r>
-              <a:rPr sz="3000">
-                <a:solidFill>
-                  <a:srgbClr val="00AFCA"/>
-                </a:solidFill>
-                <a:latin typeface="Menlo"/>
-                <a:ea typeface="Menlo"/>
-                <a:cs typeface="Menlo"/>
-                <a:sym typeface="Menlo"/>
-              </a:rPr>
-              <a:t>text</a:t>
-            </a:r>
-            <a:r>
-              <a:rPr sz="3000">
-                <a:solidFill>
-                  <a:srgbClr val="FFFFFF"/>
-                </a:solidFill>
-                <a:latin typeface="Menlo"/>
-                <a:ea typeface="Menlo"/>
-                <a:cs typeface="Menlo"/>
-                <a:sym typeface="Menlo"/>
-              </a:rPr>
-              <a:t> = </a:t>
-            </a:r>
-            <a:r>
-              <a:rPr sz="3000">
-                <a:solidFill>
-                  <a:srgbClr val="E44448"/>
-                </a:solidFill>
-                <a:latin typeface="Menlo"/>
-                <a:ea typeface="Menlo"/>
-                <a:cs typeface="Menlo"/>
-                <a:sym typeface="Menlo"/>
-              </a:rPr>
-              <a:t>"</a:t>
-            </a:r>
-            <a:r>
-              <a:rPr sz="3000">
-                <a:solidFill>
-                  <a:srgbClr val="FFFFFF"/>
-                </a:solidFill>
-                <a:latin typeface="Menlo"/>
-                <a:ea typeface="Menlo"/>
-                <a:cs typeface="Menlo"/>
-                <a:sym typeface="Menlo"/>
-              </a:rPr>
-              <a:t>\(newValue)</a:t>
-            </a:r>
-            <a:r>
-              <a:rPr sz="3000">
-                <a:solidFill>
-                  <a:srgbClr val="E44448"/>
-                </a:solidFill>
-                <a:latin typeface="Menlo"/>
-                <a:ea typeface="Menlo"/>
-                <a:cs typeface="Menlo"/>
-                <a:sym typeface="Menlo"/>
-              </a:rPr>
-              <a:t>"</a:t>
-            </a:r>
-            <a:endParaRPr sz="3000">
-              <a:solidFill>
-                <a:srgbClr val="FFFFFF"/>
-              </a:solidFill>
-              <a:latin typeface="Menlo"/>
-              <a:ea typeface="Menlo"/>
-              <a:cs typeface="Menlo"/>
-              <a:sym typeface="Menlo"/>
-            </a:endParaRPr>
-          </a:p>
-          <a:p>
-            <a:pPr lvl="0" algn="l" defTabSz="457200">
-              <a:tabLst>
-                <a:tab pos="330200" algn="l"/>
-              </a:tabLst>
-              <a:defRPr sz="1800">
-                <a:solidFill>
-                  <a:srgbClr val="000000"/>
-                </a:solidFill>
-              </a:defRPr>
-            </a:pPr>
-            <a:r>
-              <a:rPr sz="3000">
-                <a:solidFill>
-                  <a:srgbClr val="FFFFFF"/>
-                </a:solidFill>
-                <a:latin typeface="Menlo"/>
-                <a:ea typeface="Menlo"/>
-                <a:cs typeface="Menlo"/>
-                <a:sym typeface="Menlo"/>
-              </a:rPr>
-              <a:t>        }</a:t>
-            </a:r>
-            <a:endParaRPr sz="3000">
-              <a:solidFill>
-                <a:srgbClr val="FFFFFF"/>
-              </a:solidFill>
-              <a:latin typeface="Menlo"/>
-              <a:ea typeface="Menlo"/>
-              <a:cs typeface="Menlo"/>
-              <a:sym typeface="Menlo"/>
-            </a:endParaRPr>
-          </a:p>
-          <a:p>
-            <a:pPr lvl="0" algn="l" defTabSz="457200">
-              <a:tabLst>
-                <a:tab pos="330200" algn="l"/>
-              </a:tabLst>
-              <a:defRPr sz="1800">
-                <a:solidFill>
-                  <a:srgbClr val="000000"/>
-                </a:solidFill>
-              </a:defRPr>
-            </a:pPr>
-            <a:r>
-              <a:rPr sz="3000">
-                <a:solidFill>
-                  <a:srgbClr val="FFFFFF"/>
-                </a:solidFill>
-                <a:latin typeface="Menlo"/>
-                <a:ea typeface="Menlo"/>
-                <a:cs typeface="Menlo"/>
-                <a:sym typeface="Menlo"/>
-              </a:rPr>
               <a:t>    }</a:t>
             </a:r>
-            <a:endParaRPr sz="3000">
+            <a:endParaRPr sz="3000" dirty="0">
               <a:solidFill>
                 <a:srgbClr val="8B84CF"/>
               </a:solidFill>
@@ -3447,7 +3657,7 @@
                 </a:solidFill>
               </a:defRPr>
             </a:pPr>
-            <a:endParaRPr sz="3000">
+            <a:endParaRPr sz="3000" dirty="0">
               <a:solidFill>
                 <a:srgbClr val="8B84CF"/>
               </a:solidFill>
@@ -3468,7 +3678,7 @@
                 </a:solidFill>
               </a:defRPr>
             </a:pPr>
-            <a:endParaRPr sz="3000">
+            <a:endParaRPr sz="3000" dirty="0">
               <a:solidFill>
                 <a:srgbClr val="8B84CF"/>
               </a:solidFill>
@@ -3489,29 +3699,8 @@
                 </a:solidFill>
               </a:defRPr>
             </a:pPr>
-            <a:endParaRPr sz="3000">
-              <a:solidFill>
-                <a:srgbClr val="8B84CF"/>
-              </a:solidFill>
-              <a:latin typeface="Menlo"/>
-              <a:ea typeface="Menlo"/>
-              <a:cs typeface="Menlo"/>
-              <a:sym typeface="Menlo"/>
-            </a:endParaRPr>
-          </a:p>
-          <a:p>
-            <a:pPr lvl="0" algn="l" defTabSz="457200">
-              <a:tabLst>
-                <a:tab pos="330200" algn="l"/>
-              </a:tabLst>
-              <a:defRPr sz="1800">
-                <a:solidFill>
-                  <a:srgbClr val="000000"/>
-                </a:solidFill>
-              </a:defRPr>
-            </a:pPr>
-            <a:r>
-              <a:rPr sz="3000">
+            <a:r>
+              <a:rPr sz="3000" dirty="0">
                 <a:solidFill>
                   <a:srgbClr val="FFFFFF"/>
                 </a:solidFill>
@@ -3523,7 +3712,7 @@
               <a:t>sender.</a:t>
             </a:r>
             <a:r>
-              <a:rPr sz="3000">
+              <a:rPr sz="3000" dirty="0">
                 <a:solidFill>
                   <a:srgbClr val="00AFCA"/>
                 </a:solidFill>
@@ -3535,7 +3724,7 @@
               <a:t>currentTitle</a:t>
             </a:r>
             <a:r>
-              <a:rPr sz="3000">
+              <a:rPr sz="3000" dirty="0">
                 <a:solidFill>
                   <a:srgbClr val="FFFFFF"/>
                 </a:solidFill>
@@ -3554,12 +3743,1050 @@
   <p:clrMapOvr>
     <a:masterClrMapping/>
   </p:clrMapOvr>
-  <p:transition spd="med" advClick="1"/>
+  <p:transition xmlns:p14="http://schemas.microsoft.com/office/powerpoint/2010/main" spd="med"/>
+  <p:timing>
+    <p:tnLst>
+      <p:par>
+        <p:cTn xmlns:p14="http://schemas.microsoft.com/office/powerpoint/2010/main" id="1" dur="indefinite" restart="never" nodeType="tmRoot"/>
+      </p:par>
+    </p:tnLst>
+  </p:timing>
+</p:sld>
+</file>
+
+<file path=ppt/slides/slide3.xml><?xml version="1.0" encoding="utf-8"?>
+<p:sld xmlns:a="http://schemas.openxmlformats.org/drawingml/2006/main" xmlns:r="http://schemas.openxmlformats.org/officeDocument/2006/relationships" xmlns:p="http://schemas.openxmlformats.org/presentationml/2006/main">
+  <p:cSld>
+    <p:spTree>
+      <p:nvGrpSpPr>
+        <p:cNvPr id="1" name=""/>
+        <p:cNvGrpSpPr/>
+        <p:nvPr/>
+      </p:nvGrpSpPr>
+      <p:grpSpPr>
+        <a:xfrm>
+          <a:off x="0" y="0"/>
+          <a:ext cx="0" cy="0"/>
+          <a:chOff x="0" y="0"/>
+          <a:chExt cx="0" cy="0"/>
+        </a:xfrm>
+      </p:grpSpPr>
+      <p:sp>
+        <p:nvSpPr>
+          <p:cNvPr id="35" name="Shape 35"/>
+          <p:cNvSpPr>
+            <a:spLocks noGrp="1"/>
+          </p:cNvSpPr>
+          <p:nvPr>
+            <p:ph type="title"/>
+          </p:nvPr>
+        </p:nvSpPr>
+        <p:spPr>
+          <a:xfrm>
+            <a:off x="4387453" y="357187"/>
+            <a:ext cx="15609094" cy="3036095"/>
+          </a:xfrm>
+          <a:prstGeom prst="rect">
+            <a:avLst/>
+          </a:prstGeom>
+        </p:spPr>
+        <p:txBody>
+          <a:bodyPr/>
+          <a:lstStyle/>
+          <a:p>
+            <a:pPr lvl="0">
+              <a:defRPr sz="1800">
+                <a:solidFill>
+                  <a:srgbClr val="000000"/>
+                </a:solidFill>
+              </a:defRPr>
+            </a:pPr>
+            <a:r>
+              <a:rPr lang="en-US" sz="11200" dirty="0" smtClean="0">
+                <a:solidFill>
+                  <a:srgbClr val="FFFFFF"/>
+                </a:solidFill>
+              </a:rPr>
+              <a:t>Workflow</a:t>
+            </a:r>
+            <a:endParaRPr sz="11200" dirty="0">
+              <a:solidFill>
+                <a:srgbClr val="FFFFFF"/>
+              </a:solidFill>
+            </a:endParaRPr>
+          </a:p>
+        </p:txBody>
+      </p:sp>
+      <p:sp>
+        <p:nvSpPr>
+          <p:cNvPr id="6" name="Rounded Rectangle 5"/>
+          <p:cNvSpPr/>
+          <p:nvPr/>
+        </p:nvSpPr>
+        <p:spPr>
+          <a:xfrm>
+            <a:off x="1808722" y="3040519"/>
+            <a:ext cx="7042450" cy="3200400"/>
+          </a:xfrm>
+          <a:prstGeom prst="roundRect">
+            <a:avLst/>
+          </a:prstGeom>
+          <a:solidFill>
+            <a:schemeClr val="tx1">
+              <a:alpha val="84000"/>
+            </a:schemeClr>
+          </a:solidFill>
+          <a:ln w="12700" cap="flat">
+            <a:noFill/>
+            <a:miter lim="400000"/>
+          </a:ln>
+          <a:effectLst/>
+        </p:spPr>
+        <p:style>
+          <a:lnRef idx="0">
+            <a:scrgbClr r="0" g="0" b="0"/>
+          </a:lnRef>
+          <a:fillRef idx="0">
+            <a:scrgbClr r="0" g="0" b="0"/>
+          </a:fillRef>
+          <a:effectRef idx="0">
+            <a:scrgbClr r="0" g="0" b="0"/>
+          </a:effectRef>
+          <a:fontRef idx="none"/>
+        </p:style>
+        <p:txBody>
+          <a:bodyPr rot="0" spcFirstLastPara="1" vertOverflow="overflow" horzOverflow="overflow" vert="horz" wrap="square" lIns="71437" tIns="71437" rIns="71437" bIns="71437" numCol="1" spcCol="38100" rtlCol="0" anchor="ctr">
+            <a:spAutoFit/>
+          </a:bodyPr>
+          <a:lstStyle/>
+          <a:p>
+            <a:pPr marL="0" marR="0" indent="0" algn="ctr" defTabSz="584200" rtl="0" fontAlgn="auto" latinLnBrk="1" hangingPunct="0">
+              <a:lnSpc>
+                <a:spcPct val="100000"/>
+              </a:lnSpc>
+              <a:spcBef>
+                <a:spcPts val="0"/>
+              </a:spcBef>
+              <a:spcAft>
+                <a:spcPts val="0"/>
+              </a:spcAft>
+              <a:buClrTx/>
+              <a:buSzTx/>
+              <a:buFontTx/>
+              <a:buNone/>
+              <a:tabLst/>
+            </a:pPr>
+            <a:endParaRPr kumimoji="0" lang="en-US" sz="3600" b="0" i="0" u="none" strike="noStrike" cap="none" spc="0" normalizeH="0" baseline="0">
+              <a:ln>
+                <a:noFill/>
+              </a:ln>
+              <a:solidFill>
+                <a:srgbClr val="FFFFFF"/>
+              </a:solidFill>
+              <a:effectLst/>
+              <a:uFillTx/>
+              <a:latin typeface="+mn-lt"/>
+              <a:ea typeface="+mn-ea"/>
+              <a:cs typeface="+mn-cs"/>
+              <a:sym typeface="Helvetica Light"/>
+            </a:endParaRPr>
+          </a:p>
+        </p:txBody>
+      </p:sp>
+      <p:cxnSp>
+        <p:nvCxnSpPr>
+          <p:cNvPr id="8" name="Straight Arrow Connector 7"/>
+          <p:cNvCxnSpPr/>
+          <p:nvPr/>
+        </p:nvCxnSpPr>
+        <p:spPr>
+          <a:xfrm>
+            <a:off x="9582354" y="4618508"/>
+            <a:ext cx="3963783" cy="0"/>
+          </a:xfrm>
+          <a:prstGeom prst="straightConnector1">
+            <a:avLst/>
+          </a:prstGeom>
+          <a:noFill/>
+          <a:ln w="190500" cap="flat" cmpd="sng">
+            <a:solidFill>
+              <a:srgbClr val="FF0000"/>
+            </a:solidFill>
+            <a:prstDash val="solid"/>
+            <a:miter lim="400000"/>
+            <a:tailEnd type="arrow"/>
+          </a:ln>
+          <a:effectLst/>
+        </p:spPr>
+        <p:style>
+          <a:lnRef idx="0">
+            <a:scrgbClr r="0" g="0" b="0"/>
+          </a:lnRef>
+          <a:fillRef idx="0">
+            <a:scrgbClr r="0" g="0" b="0"/>
+          </a:fillRef>
+          <a:effectRef idx="0">
+            <a:scrgbClr r="0" g="0" b="0"/>
+          </a:effectRef>
+          <a:fontRef idx="none"/>
+        </p:style>
+      </p:cxnSp>
+      <p:sp>
+        <p:nvSpPr>
+          <p:cNvPr id="9" name="TextBox 8"/>
+          <p:cNvSpPr txBox="1"/>
+          <p:nvPr/>
+        </p:nvSpPr>
+        <p:spPr>
+          <a:xfrm>
+            <a:off x="2064022" y="3430604"/>
+            <a:ext cx="6531851" cy="1990929"/>
+          </a:xfrm>
+          <a:prstGeom prst="rect">
+            <a:avLst/>
+          </a:prstGeom>
+          <a:noFill/>
+          <a:ln w="12700" cap="flat">
+            <a:noFill/>
+            <a:miter lim="400000"/>
+          </a:ln>
+          <a:effectLst/>
+        </p:spPr>
+        <p:style>
+          <a:lnRef idx="0">
+            <a:scrgbClr r="0" g="0" b="0"/>
+          </a:lnRef>
+          <a:fillRef idx="0">
+            <a:scrgbClr r="0" g="0" b="0"/>
+          </a:fillRef>
+          <a:effectRef idx="0">
+            <a:scrgbClr r="0" g="0" b="0"/>
+          </a:effectRef>
+          <a:fontRef idx="none"/>
+        </p:style>
+        <p:txBody>
+          <a:bodyPr rot="0" spcFirstLastPara="1" vertOverflow="overflow" horzOverflow="overflow" vert="horz" wrap="square" lIns="71437" tIns="71437" rIns="71437" bIns="71437" numCol="1" spcCol="38100" rtlCol="0" anchor="ctr">
+            <a:spAutoFit/>
+          </a:bodyPr>
+          <a:lstStyle/>
+          <a:p>
+            <a:pPr marL="0" marR="0" indent="0" algn="l" defTabSz="584200" rtl="0" fontAlgn="auto" latinLnBrk="1" hangingPunct="0">
+              <a:lnSpc>
+                <a:spcPct val="100000"/>
+              </a:lnSpc>
+              <a:spcBef>
+                <a:spcPts val="0"/>
+              </a:spcBef>
+              <a:spcAft>
+                <a:spcPts val="0"/>
+              </a:spcAft>
+              <a:buClrTx/>
+              <a:buSzTx/>
+              <a:buFontTx/>
+              <a:buNone/>
+              <a:tabLst/>
+            </a:pPr>
+            <a:r>
+              <a:rPr kumimoji="0" lang="en-US" sz="4000" b="0" i="0" u="none" strike="noStrike" cap="none" spc="0" normalizeH="0" baseline="0" dirty="0" smtClean="0">
+                <a:ln>
+                  <a:noFill/>
+                </a:ln>
+                <a:solidFill>
+                  <a:schemeClr val="bg1"/>
+                </a:solidFill>
+                <a:effectLst/>
+                <a:uFillTx/>
+                <a:sym typeface="Helvetica Light"/>
+              </a:rPr>
+              <a:t>Start with blank calculator</a:t>
+            </a:r>
+          </a:p>
+          <a:p>
+            <a:pPr marL="0" marR="0" indent="0" algn="l" defTabSz="584200" rtl="0" fontAlgn="auto" latinLnBrk="1" hangingPunct="0">
+              <a:lnSpc>
+                <a:spcPct val="100000"/>
+              </a:lnSpc>
+              <a:spcBef>
+                <a:spcPts val="0"/>
+              </a:spcBef>
+              <a:spcAft>
+                <a:spcPts val="0"/>
+              </a:spcAft>
+              <a:buClrTx/>
+              <a:buSzTx/>
+              <a:buFontTx/>
+              <a:buNone/>
+              <a:tabLst/>
+            </a:pPr>
+            <a:r>
+              <a:rPr lang="en-US" sz="4000" dirty="0">
+                <a:solidFill>
+                  <a:schemeClr val="bg1"/>
+                </a:solidFill>
+              </a:rPr>
+              <a:t>	</a:t>
+            </a:r>
+            <a:r>
+              <a:rPr lang="en-US" sz="4000" dirty="0" smtClean="0">
+                <a:solidFill>
+                  <a:schemeClr val="bg1"/>
+                </a:solidFill>
+              </a:rPr>
+              <a:t>--</a:t>
+            </a:r>
+            <a:r>
+              <a:rPr lang="en-US" sz="4000" dirty="0" smtClean="0">
+                <a:solidFill>
+                  <a:srgbClr val="FF0000"/>
+                </a:solidFill>
+              </a:rPr>
+              <a:t>User Is Typing </a:t>
+            </a:r>
+            <a:r>
+              <a:rPr lang="en-US" sz="4000" dirty="0" smtClean="0">
+                <a:solidFill>
+                  <a:schemeClr val="bg1"/>
+                </a:solidFill>
+              </a:rPr>
+              <a:t>(</a:t>
+            </a:r>
+            <a:r>
+              <a:rPr lang="en-US" sz="2800" dirty="0" smtClean="0">
+                <a:solidFill>
+                  <a:schemeClr val="bg1"/>
+                </a:solidFill>
+              </a:rPr>
+              <a:t>if statement</a:t>
+            </a:r>
+            <a:r>
+              <a:rPr lang="en-US" sz="4000" dirty="0" smtClean="0">
+                <a:solidFill>
+                  <a:schemeClr val="bg1"/>
+                </a:solidFill>
+              </a:rPr>
+              <a:t>)</a:t>
+            </a:r>
+          </a:p>
+          <a:p>
+            <a:pPr marL="0" marR="0" indent="0" algn="l" defTabSz="584200" rtl="0" fontAlgn="auto" latinLnBrk="1" hangingPunct="0">
+              <a:lnSpc>
+                <a:spcPct val="100000"/>
+              </a:lnSpc>
+              <a:spcBef>
+                <a:spcPts val="0"/>
+              </a:spcBef>
+              <a:spcAft>
+                <a:spcPts val="0"/>
+              </a:spcAft>
+              <a:buClrTx/>
+              <a:buSzTx/>
+              <a:buFontTx/>
+              <a:buNone/>
+              <a:tabLst/>
+            </a:pPr>
+            <a:r>
+              <a:rPr kumimoji="0" lang="en-US" sz="4000" b="0" i="0" u="none" strike="noStrike" cap="none" spc="0" normalizeH="0" baseline="0" dirty="0" smtClean="0">
+                <a:ln>
+                  <a:noFill/>
+                </a:ln>
+                <a:solidFill>
+                  <a:schemeClr val="bg1"/>
+                </a:solidFill>
+                <a:effectLst/>
+                <a:uFillTx/>
+                <a:sym typeface="Helvetica Light"/>
+              </a:rPr>
+              <a:t>	--</a:t>
+            </a:r>
+            <a:r>
+              <a:rPr kumimoji="0" lang="en-US" sz="4000" b="0" i="0" u="none" strike="noStrike" cap="none" spc="0" normalizeH="0" baseline="0" dirty="0" smtClean="0">
+                <a:ln>
+                  <a:noFill/>
+                </a:ln>
+                <a:solidFill>
+                  <a:srgbClr val="0065C1"/>
+                </a:solidFill>
+                <a:effectLst/>
+                <a:uFillTx/>
+                <a:sym typeface="Helvetica Light"/>
+              </a:rPr>
+              <a:t>Append Digit</a:t>
+            </a:r>
+            <a:r>
+              <a:rPr kumimoji="0" lang="en-US" sz="4000" b="0" i="0" u="none" strike="noStrike" cap="none" spc="0" normalizeH="0" baseline="0" dirty="0" smtClean="0">
+                <a:ln>
+                  <a:noFill/>
+                </a:ln>
+                <a:solidFill>
+                  <a:schemeClr val="bg1"/>
+                </a:solidFill>
+                <a:effectLst/>
+                <a:uFillTx/>
+                <a:sym typeface="Helvetica Light"/>
+              </a:rPr>
+              <a:t> (</a:t>
+            </a:r>
+            <a:r>
+              <a:rPr kumimoji="0" lang="en-US" sz="2800" b="0" i="0" u="none" strike="noStrike" cap="none" spc="0" normalizeH="0" baseline="0" dirty="0" smtClean="0">
+                <a:ln>
+                  <a:noFill/>
+                </a:ln>
+                <a:solidFill>
+                  <a:schemeClr val="bg1"/>
+                </a:solidFill>
+                <a:effectLst/>
+                <a:uFillTx/>
+                <a:sym typeface="Helvetica Light"/>
+              </a:rPr>
+              <a:t>method</a:t>
+            </a:r>
+            <a:r>
+              <a:rPr kumimoji="0" lang="en-US" sz="4000" b="0" i="0" u="none" strike="noStrike" cap="none" spc="0" normalizeH="0" baseline="0" dirty="0" smtClean="0">
+                <a:ln>
+                  <a:noFill/>
+                </a:ln>
+                <a:solidFill>
+                  <a:schemeClr val="bg1"/>
+                </a:solidFill>
+                <a:effectLst/>
+                <a:uFillTx/>
+                <a:sym typeface="Helvetica Light"/>
+              </a:rPr>
+              <a:t>)</a:t>
+            </a:r>
+          </a:p>
+        </p:txBody>
+      </p:sp>
+      <p:sp>
+        <p:nvSpPr>
+          <p:cNvPr id="13" name="Rounded Rectangle 12"/>
+          <p:cNvSpPr/>
+          <p:nvPr/>
+        </p:nvSpPr>
+        <p:spPr>
+          <a:xfrm>
+            <a:off x="14007937" y="3040519"/>
+            <a:ext cx="8618734" cy="4572000"/>
+          </a:xfrm>
+          <a:prstGeom prst="roundRect">
+            <a:avLst/>
+          </a:prstGeom>
+          <a:solidFill>
+            <a:schemeClr val="tx1">
+              <a:alpha val="84000"/>
+            </a:schemeClr>
+          </a:solidFill>
+          <a:ln w="12700" cap="flat">
+            <a:noFill/>
+            <a:miter lim="400000"/>
+          </a:ln>
+          <a:effectLst/>
+        </p:spPr>
+        <p:style>
+          <a:lnRef idx="0">
+            <a:scrgbClr r="0" g="0" b="0"/>
+          </a:lnRef>
+          <a:fillRef idx="0">
+            <a:scrgbClr r="0" g="0" b="0"/>
+          </a:fillRef>
+          <a:effectRef idx="0">
+            <a:scrgbClr r="0" g="0" b="0"/>
+          </a:effectRef>
+          <a:fontRef idx="none"/>
+        </p:style>
+        <p:txBody>
+          <a:bodyPr rot="0" spcFirstLastPara="1" vertOverflow="overflow" horzOverflow="overflow" vert="horz" wrap="square" lIns="71437" tIns="71437" rIns="71437" bIns="71437" numCol="1" spcCol="38100" rtlCol="0" anchor="ctr">
+            <a:spAutoFit/>
+          </a:bodyPr>
+          <a:lstStyle/>
+          <a:p>
+            <a:pPr marL="0" marR="0" indent="0" algn="ctr" defTabSz="584200" rtl="0" fontAlgn="auto" latinLnBrk="1" hangingPunct="0">
+              <a:lnSpc>
+                <a:spcPct val="100000"/>
+              </a:lnSpc>
+              <a:spcBef>
+                <a:spcPts val="0"/>
+              </a:spcBef>
+              <a:spcAft>
+                <a:spcPts val="0"/>
+              </a:spcAft>
+              <a:buClrTx/>
+              <a:buSzTx/>
+              <a:buFontTx/>
+              <a:buNone/>
+              <a:tabLst/>
+            </a:pPr>
+            <a:endParaRPr kumimoji="0" lang="en-US" sz="3600" b="0" i="0" u="none" strike="noStrike" cap="none" spc="0" normalizeH="0" baseline="0">
+              <a:ln>
+                <a:noFill/>
+              </a:ln>
+              <a:solidFill>
+                <a:srgbClr val="FFFFFF"/>
+              </a:solidFill>
+              <a:effectLst/>
+              <a:uFillTx/>
+              <a:latin typeface="+mn-lt"/>
+              <a:ea typeface="+mn-ea"/>
+              <a:cs typeface="+mn-cs"/>
+              <a:sym typeface="Helvetica Light"/>
+            </a:endParaRPr>
+          </a:p>
+        </p:txBody>
+      </p:sp>
+      <p:sp>
+        <p:nvSpPr>
+          <p:cNvPr id="14" name="TextBox 13"/>
+          <p:cNvSpPr txBox="1"/>
+          <p:nvPr/>
+        </p:nvSpPr>
+        <p:spPr>
+          <a:xfrm>
+            <a:off x="14200352" y="3316370"/>
+            <a:ext cx="8618734" cy="4453141"/>
+          </a:xfrm>
+          <a:prstGeom prst="rect">
+            <a:avLst/>
+          </a:prstGeom>
+          <a:noFill/>
+          <a:ln w="12700" cap="flat">
+            <a:noFill/>
+            <a:miter lim="400000"/>
+          </a:ln>
+          <a:effectLst/>
+        </p:spPr>
+        <p:style>
+          <a:lnRef idx="0">
+            <a:scrgbClr r="0" g="0" b="0"/>
+          </a:lnRef>
+          <a:fillRef idx="0">
+            <a:scrgbClr r="0" g="0" b="0"/>
+          </a:fillRef>
+          <a:effectRef idx="0">
+            <a:scrgbClr r="0" g="0" b="0"/>
+          </a:effectRef>
+          <a:fontRef idx="none"/>
+        </p:style>
+        <p:txBody>
+          <a:bodyPr rot="0" spcFirstLastPara="1" vertOverflow="overflow" horzOverflow="overflow" vert="horz" wrap="square" lIns="71437" tIns="71437" rIns="71437" bIns="71437" numCol="1" spcCol="38100" rtlCol="0" anchor="ctr">
+            <a:spAutoFit/>
+          </a:bodyPr>
+          <a:lstStyle/>
+          <a:p>
+            <a:pPr marL="0" marR="0" indent="0" algn="l" defTabSz="584200" rtl="0" fontAlgn="auto" latinLnBrk="1" hangingPunct="0">
+              <a:lnSpc>
+                <a:spcPct val="100000"/>
+              </a:lnSpc>
+              <a:spcBef>
+                <a:spcPts val="0"/>
+              </a:spcBef>
+              <a:spcAft>
+                <a:spcPts val="0"/>
+              </a:spcAft>
+              <a:buClrTx/>
+              <a:buSzTx/>
+              <a:buFontTx/>
+              <a:buNone/>
+              <a:tabLst/>
+            </a:pPr>
+            <a:r>
+              <a:rPr kumimoji="0" lang="en-US" sz="4000" b="0" i="0" u="none" strike="noStrike" cap="none" spc="0" normalizeH="0" baseline="0" dirty="0" smtClean="0">
+                <a:ln>
+                  <a:noFill/>
+                </a:ln>
+                <a:solidFill>
+                  <a:schemeClr val="bg1"/>
+                </a:solidFill>
+                <a:effectLst/>
+                <a:uFillTx/>
+                <a:sym typeface="Helvetica Light"/>
+              </a:rPr>
+              <a:t>Press Operator Button</a:t>
+            </a:r>
+          </a:p>
+          <a:p>
+            <a:pPr marL="0" marR="0" indent="0" algn="l" defTabSz="584200" rtl="0" fontAlgn="auto" latinLnBrk="1" hangingPunct="0">
+              <a:lnSpc>
+                <a:spcPct val="100000"/>
+              </a:lnSpc>
+              <a:spcBef>
+                <a:spcPts val="0"/>
+              </a:spcBef>
+              <a:spcAft>
+                <a:spcPts val="0"/>
+              </a:spcAft>
+              <a:buClrTx/>
+              <a:buSzTx/>
+              <a:buFontTx/>
+              <a:buNone/>
+              <a:tabLst/>
+            </a:pPr>
+            <a:r>
+              <a:rPr lang="en-US" sz="4000" dirty="0">
+                <a:solidFill>
+                  <a:schemeClr val="bg1"/>
+                </a:solidFill>
+              </a:rPr>
+              <a:t>	</a:t>
+            </a:r>
+            <a:r>
+              <a:rPr lang="en-US" sz="4000" dirty="0" smtClean="0">
+                <a:solidFill>
+                  <a:schemeClr val="bg1"/>
+                </a:solidFill>
+              </a:rPr>
+              <a:t>--Convert </a:t>
+            </a:r>
+            <a:r>
+              <a:rPr lang="en-US" sz="4000" dirty="0" smtClean="0">
+                <a:solidFill>
+                  <a:schemeClr val="accent1"/>
+                </a:solidFill>
+              </a:rPr>
+              <a:t>Display</a:t>
+            </a:r>
+            <a:r>
+              <a:rPr lang="en-US" sz="4000" dirty="0" smtClean="0">
+                <a:solidFill>
+                  <a:schemeClr val="bg1"/>
+                </a:solidFill>
+              </a:rPr>
+              <a:t> (</a:t>
+            </a:r>
+            <a:r>
+              <a:rPr lang="en-US" sz="2800" dirty="0" smtClean="0">
+                <a:solidFill>
+                  <a:schemeClr val="bg1"/>
+                </a:solidFill>
+              </a:rPr>
+              <a:t>method</a:t>
+            </a:r>
+            <a:r>
+              <a:rPr lang="en-US" sz="4000" dirty="0" smtClean="0">
+                <a:solidFill>
+                  <a:schemeClr val="bg1"/>
+                </a:solidFill>
+              </a:rPr>
+              <a:t>)</a:t>
+            </a:r>
+          </a:p>
+          <a:p>
+            <a:pPr marL="0" marR="0" indent="0" algn="l" defTabSz="584200" rtl="0" fontAlgn="auto" latinLnBrk="1" hangingPunct="0">
+              <a:lnSpc>
+                <a:spcPct val="100000"/>
+              </a:lnSpc>
+              <a:spcBef>
+                <a:spcPts val="0"/>
+              </a:spcBef>
+              <a:spcAft>
+                <a:spcPts val="0"/>
+              </a:spcAft>
+              <a:buClrTx/>
+              <a:buSzTx/>
+              <a:buFontTx/>
+              <a:buNone/>
+              <a:tabLst/>
+            </a:pPr>
+            <a:r>
+              <a:rPr kumimoji="0" lang="en-US" sz="4000" b="0" i="0" u="none" strike="noStrike" cap="none" spc="0" normalizeH="0" baseline="0" dirty="0" smtClean="0">
+                <a:ln>
+                  <a:noFill/>
+                </a:ln>
+                <a:solidFill>
+                  <a:schemeClr val="bg1"/>
+                </a:solidFill>
+                <a:effectLst/>
+                <a:uFillTx/>
+                <a:sym typeface="Helvetica Light"/>
+              </a:rPr>
+              <a:t>	--Assign</a:t>
+            </a:r>
+            <a:r>
+              <a:rPr kumimoji="0" lang="en-US" sz="4000" b="0" i="0" u="none" strike="noStrike" cap="none" spc="0" normalizeH="0" baseline="0" dirty="0" smtClean="0">
+                <a:ln>
+                  <a:noFill/>
+                </a:ln>
+                <a:solidFill>
+                  <a:schemeClr val="accent3"/>
+                </a:solidFill>
+                <a:effectLst/>
+                <a:uFillTx/>
+                <a:sym typeface="Helvetica Light"/>
+              </a:rPr>
+              <a:t> First Number</a:t>
+            </a:r>
+            <a:r>
+              <a:rPr kumimoji="0" lang="en-US" sz="4000" b="0" i="0" u="none" strike="noStrike" cap="none" spc="0" normalizeH="0" baseline="0" dirty="0" smtClean="0">
+                <a:ln>
+                  <a:noFill/>
+                </a:ln>
+                <a:solidFill>
+                  <a:schemeClr val="bg1"/>
+                </a:solidFill>
+                <a:effectLst/>
+                <a:uFillTx/>
+                <a:sym typeface="Helvetica Light"/>
+              </a:rPr>
+              <a:t>, </a:t>
+            </a:r>
+            <a:r>
+              <a:rPr lang="en-US" sz="4000" dirty="0" smtClean="0">
+                <a:solidFill>
+                  <a:srgbClr val="308B16"/>
+                </a:solidFill>
+              </a:rPr>
+              <a:t>Second</a:t>
+            </a:r>
+          </a:p>
+          <a:p>
+            <a:pPr marL="0" marR="0" indent="0" algn="l" defTabSz="584200" rtl="0" fontAlgn="auto" latinLnBrk="1" hangingPunct="0">
+              <a:lnSpc>
+                <a:spcPct val="100000"/>
+              </a:lnSpc>
+              <a:spcBef>
+                <a:spcPts val="0"/>
+              </a:spcBef>
+              <a:spcAft>
+                <a:spcPts val="0"/>
+              </a:spcAft>
+              <a:buClrTx/>
+              <a:buSzTx/>
+              <a:buFontTx/>
+              <a:buNone/>
+              <a:tabLst/>
+            </a:pPr>
+            <a:r>
+              <a:rPr lang="en-US" sz="4000" dirty="0">
+                <a:solidFill>
+                  <a:srgbClr val="308B16"/>
+                </a:solidFill>
+              </a:rPr>
+              <a:t>	</a:t>
+            </a:r>
+            <a:r>
+              <a:rPr lang="en-US" sz="4000" dirty="0" smtClean="0">
+                <a:solidFill>
+                  <a:srgbClr val="308B16"/>
+                </a:solidFill>
+              </a:rPr>
+              <a:t>		 Number</a:t>
+            </a:r>
+            <a:r>
+              <a:rPr lang="en-US" sz="4000" dirty="0" smtClean="0">
+                <a:solidFill>
+                  <a:schemeClr val="bg1"/>
+                </a:solidFill>
+              </a:rPr>
+              <a:t>, and </a:t>
+            </a:r>
+            <a:r>
+              <a:rPr kumimoji="0" lang="en-US" sz="4000" b="0" i="0" u="none" strike="noStrike" cap="none" spc="0" normalizeH="0" baseline="0" dirty="0" smtClean="0">
+                <a:ln>
+                  <a:noFill/>
+                </a:ln>
+                <a:solidFill>
+                  <a:srgbClr val="308B16"/>
+                </a:solidFill>
+                <a:effectLst/>
+                <a:uFillTx/>
+                <a:sym typeface="Helvetica Light"/>
+              </a:rPr>
+              <a:t>Symbol</a:t>
+            </a:r>
+            <a:r>
+              <a:rPr kumimoji="0" lang="en-US" sz="4000" b="0" i="0" u="none" strike="noStrike" cap="none" spc="0" normalizeH="0" baseline="0" dirty="0" smtClean="0">
+                <a:ln>
+                  <a:noFill/>
+                </a:ln>
+                <a:solidFill>
+                  <a:schemeClr val="bg1"/>
+                </a:solidFill>
+                <a:effectLst/>
+                <a:uFillTx/>
+                <a:sym typeface="Helvetica Light"/>
+              </a:rPr>
+              <a:t> (</a:t>
+            </a:r>
+            <a:r>
+              <a:rPr kumimoji="0" lang="en-US" sz="2800" b="0" i="0" u="none" strike="noStrike" cap="none" spc="0" normalizeH="0" baseline="0" dirty="0" err="1" smtClean="0">
+                <a:ln>
+                  <a:noFill/>
+                </a:ln>
+                <a:solidFill>
+                  <a:schemeClr val="bg1"/>
+                </a:solidFill>
+                <a:effectLst/>
+                <a:uFillTx/>
+                <a:sym typeface="Helvetica Light"/>
+              </a:rPr>
+              <a:t>var</a:t>
+            </a:r>
+            <a:r>
+              <a:rPr kumimoji="0" lang="en-US" sz="4000" b="0" i="0" u="none" strike="noStrike" cap="none" spc="0" normalizeH="0" baseline="0" dirty="0" smtClean="0">
+                <a:ln>
+                  <a:noFill/>
+                </a:ln>
+                <a:solidFill>
+                  <a:schemeClr val="bg1"/>
+                </a:solidFill>
+                <a:effectLst/>
+                <a:uFillTx/>
+                <a:sym typeface="Helvetica Light"/>
+              </a:rPr>
+              <a:t>)</a:t>
+            </a:r>
+          </a:p>
+          <a:p>
+            <a:pPr marL="0" marR="0" indent="0" algn="l" defTabSz="584200" rtl="0" fontAlgn="auto" latinLnBrk="1" hangingPunct="0">
+              <a:lnSpc>
+                <a:spcPct val="100000"/>
+              </a:lnSpc>
+              <a:spcBef>
+                <a:spcPts val="0"/>
+              </a:spcBef>
+              <a:spcAft>
+                <a:spcPts val="0"/>
+              </a:spcAft>
+              <a:buClrTx/>
+              <a:buSzTx/>
+              <a:buFontTx/>
+              <a:buNone/>
+              <a:tabLst/>
+            </a:pPr>
+            <a:r>
+              <a:rPr lang="en-US" sz="4000" dirty="0">
+                <a:solidFill>
+                  <a:schemeClr val="bg1"/>
+                </a:solidFill>
+              </a:rPr>
+              <a:t>	</a:t>
+            </a:r>
+            <a:r>
+              <a:rPr lang="en-US" sz="4000" dirty="0" smtClean="0">
+                <a:solidFill>
+                  <a:schemeClr val="bg1"/>
+                </a:solidFill>
+              </a:rPr>
+              <a:t>--Calculate </a:t>
+            </a:r>
+            <a:r>
+              <a:rPr lang="en-US" sz="4000" dirty="0" smtClean="0">
+                <a:solidFill>
+                  <a:srgbClr val="0065C1"/>
+                </a:solidFill>
+              </a:rPr>
+              <a:t>Operation</a:t>
+            </a:r>
+            <a:r>
+              <a:rPr lang="en-US" sz="4000" dirty="0" smtClean="0">
+                <a:solidFill>
+                  <a:schemeClr val="bg1"/>
+                </a:solidFill>
+              </a:rPr>
+              <a:t> (</a:t>
+            </a:r>
+            <a:r>
+              <a:rPr lang="en-US" sz="2800" dirty="0" smtClean="0">
+                <a:solidFill>
+                  <a:schemeClr val="bg1"/>
+                </a:solidFill>
+              </a:rPr>
+              <a:t>method</a:t>
+            </a:r>
+            <a:r>
+              <a:rPr lang="en-US" sz="4000" dirty="0" smtClean="0">
+                <a:solidFill>
+                  <a:schemeClr val="bg1"/>
+                </a:solidFill>
+              </a:rPr>
+              <a:t>)</a:t>
+            </a:r>
+          </a:p>
+          <a:p>
+            <a:pPr algn="l" rtl="0" latinLnBrk="1" hangingPunct="0"/>
+            <a:r>
+              <a:rPr kumimoji="0" lang="en-US" sz="4000" b="0" i="0" u="none" strike="noStrike" cap="none" spc="0" normalizeH="0" baseline="0" dirty="0">
+                <a:ln>
+                  <a:noFill/>
+                </a:ln>
+                <a:solidFill>
+                  <a:schemeClr val="bg1"/>
+                </a:solidFill>
+                <a:effectLst/>
+                <a:uFillTx/>
+                <a:sym typeface="Helvetica Light"/>
+              </a:rPr>
+              <a:t>	</a:t>
+            </a:r>
+            <a:r>
+              <a:rPr lang="en-US" sz="4000" dirty="0" smtClean="0">
+                <a:solidFill>
+                  <a:schemeClr val="bg1"/>
+                </a:solidFill>
+              </a:rPr>
+              <a:t>-</a:t>
+            </a:r>
+            <a:r>
+              <a:rPr lang="en-US" sz="4000" dirty="0">
+                <a:solidFill>
+                  <a:schemeClr val="bg1"/>
+                </a:solidFill>
+              </a:rPr>
+              <a:t>-</a:t>
+            </a:r>
+            <a:r>
+              <a:rPr lang="en-US" sz="4000" dirty="0">
+                <a:solidFill>
+                  <a:srgbClr val="FF0000"/>
+                </a:solidFill>
+              </a:rPr>
+              <a:t>User Is Typing </a:t>
+            </a:r>
+            <a:r>
+              <a:rPr lang="en-US" sz="4000" dirty="0">
+                <a:solidFill>
+                  <a:schemeClr val="bg1"/>
+                </a:solidFill>
+              </a:rPr>
+              <a:t>(</a:t>
+            </a:r>
+            <a:r>
+              <a:rPr lang="en-US" sz="2800" dirty="0">
+                <a:solidFill>
+                  <a:schemeClr val="bg1"/>
+                </a:solidFill>
+              </a:rPr>
+              <a:t>if statement</a:t>
+            </a:r>
+            <a:r>
+              <a:rPr lang="en-US" sz="4000" dirty="0">
+                <a:solidFill>
+                  <a:schemeClr val="bg1"/>
+                </a:solidFill>
+              </a:rPr>
+              <a:t>)</a:t>
+            </a:r>
+          </a:p>
+          <a:p>
+            <a:pPr marL="0" marR="0" indent="0" algn="l" defTabSz="584200" rtl="0" fontAlgn="auto" latinLnBrk="1" hangingPunct="0">
+              <a:lnSpc>
+                <a:spcPct val="100000"/>
+              </a:lnSpc>
+              <a:spcBef>
+                <a:spcPts val="0"/>
+              </a:spcBef>
+              <a:spcAft>
+                <a:spcPts val="0"/>
+              </a:spcAft>
+              <a:buClrTx/>
+              <a:buSzTx/>
+              <a:buFontTx/>
+              <a:buNone/>
+              <a:tabLst/>
+            </a:pPr>
+            <a:endParaRPr kumimoji="0" lang="en-US" sz="4000" b="0" i="0" u="none" strike="noStrike" cap="none" spc="0" normalizeH="0" baseline="0" dirty="0" smtClean="0">
+              <a:ln>
+                <a:noFill/>
+              </a:ln>
+              <a:solidFill>
+                <a:schemeClr val="bg1"/>
+              </a:solidFill>
+              <a:effectLst/>
+              <a:uFillTx/>
+              <a:sym typeface="Helvetica Light"/>
+            </a:endParaRPr>
+          </a:p>
+        </p:txBody>
+      </p:sp>
+      <p:cxnSp>
+        <p:nvCxnSpPr>
+          <p:cNvPr id="12" name="Straight Connector 11"/>
+          <p:cNvCxnSpPr/>
+          <p:nvPr/>
+        </p:nvCxnSpPr>
+        <p:spPr>
+          <a:xfrm>
+            <a:off x="2693833" y="8390288"/>
+            <a:ext cx="19280148" cy="0"/>
+          </a:xfrm>
+          <a:prstGeom prst="line">
+            <a:avLst/>
+          </a:prstGeom>
+          <a:noFill/>
+          <a:ln w="25400" cap="flat">
+            <a:solidFill>
+              <a:srgbClr val="FFFFFF"/>
+            </a:solidFill>
+            <a:prstDash val="solid"/>
+            <a:miter lim="400000"/>
+          </a:ln>
+          <a:effectLst/>
+        </p:spPr>
+        <p:style>
+          <a:lnRef idx="0">
+            <a:scrgbClr r="0" g="0" b="0"/>
+          </a:lnRef>
+          <a:fillRef idx="0">
+            <a:scrgbClr r="0" g="0" b="0"/>
+          </a:fillRef>
+          <a:effectRef idx="0">
+            <a:scrgbClr r="0" g="0" b="0"/>
+          </a:effectRef>
+          <a:fontRef idx="none"/>
+        </p:style>
+      </p:cxnSp>
+      <p:pic>
+        <p:nvPicPr>
+          <p:cNvPr id="15" name="Picture 14" descr="Screen Shot 2015-02-23 at 4.36.14 PM.png"/>
+          <p:cNvPicPr>
+            <a:picLocks noChangeAspect="1"/>
+          </p:cNvPicPr>
+          <p:nvPr/>
+        </p:nvPicPr>
+        <p:blipFill>
+          <a:blip r:embed="rId2">
+            <a:extLst>
+              <a:ext uri="{28A0092B-C50C-407E-A947-70E740481C1C}">
+                <a14:useLocalDpi xmlns:a14="http://schemas.microsoft.com/office/drawing/2010/main" val="0"/>
+              </a:ext>
+            </a:extLst>
+          </a:blip>
+          <a:stretch>
+            <a:fillRect/>
+          </a:stretch>
+        </p:blipFill>
+        <p:spPr>
+          <a:xfrm>
+            <a:off x="4418965" y="9013060"/>
+            <a:ext cx="15546070" cy="4065316"/>
+          </a:xfrm>
+          <a:prstGeom prst="rect">
+            <a:avLst/>
+          </a:prstGeom>
+        </p:spPr>
+      </p:pic>
+    </p:spTree>
+    <p:extLst>
+      <p:ext uri="{BB962C8B-B14F-4D97-AF65-F5344CB8AC3E}">
+        <p14:creationId xmlns:p14="http://schemas.microsoft.com/office/powerpoint/2010/main" val="2571794745"/>
+      </p:ext>
+    </p:extLst>
+  </p:cSld>
+  <p:clrMapOvr>
+    <a:masterClrMapping/>
+  </p:clrMapOvr>
+  <p:transition xmlns:p14="http://schemas.microsoft.com/office/powerpoint/2010/main" spd="med"/>
+  <p:timing>
+    <p:tnLst>
+      <p:par>
+        <p:cTn xmlns:p14="http://schemas.microsoft.com/office/powerpoint/2010/main" id="1" dur="indefinite" restart="never" nodeType="tmRoot"/>
+      </p:par>
+    </p:tnLst>
+  </p:timing>
 </p:sld>
 </file>
 
 <file path=ppt/theme/theme1.xml><?xml version="1.0" encoding="utf-8"?>
-<a:theme xmlns:a="http://schemas.openxmlformats.org/drawingml/2006/main" xmlns:r="http://schemas.openxmlformats.org/officeDocument/2006/relationships" name="Black">
+<a:theme xmlns:a="http://schemas.openxmlformats.org/drawingml/2006/main" name="Black">
   <a:themeElements>
     <a:clrScheme name="Black">
       <a:dk1>
@@ -3749,8 +4976,8 @@
     <a:spDef>
       <a:spPr>
         <a:blipFill rotWithShape="1">
-          <a:blip r:embed="rId1"/>
-          <a:srcRect l="0" t="0" r="0" b="0"/>
+          <a:blip xmlns:r="http://schemas.openxmlformats.org/officeDocument/2006/relationships" r:embed="rId1"/>
+          <a:srcRect/>
           <a:tile tx="0" ty="0" sx="100000" sy="100000" flip="none" algn="tl"/>
         </a:blipFill>
         <a:ln w="12700" cap="flat">
@@ -3759,7 +4986,7 @@
         </a:ln>
         <a:effectLst/>
       </a:spPr>
-      <a:bodyPr rot="0" spcFirstLastPara="1" vertOverflow="overflow" horzOverflow="overflow" vert="horz" wrap="square" lIns="71437" tIns="71437" rIns="71437" bIns="71437" numCol="1" spcCol="38100" rtlCol="0" anchor="ctr" upright="0">
+      <a:bodyPr rot="0" spcFirstLastPara="1" vertOverflow="overflow" horzOverflow="overflow" vert="horz" wrap="square" lIns="71437" tIns="71437" rIns="71437" bIns="71437" numCol="1" spcCol="38100" rtlCol="0" anchor="ctr">
         <a:spAutoFit/>
       </a:bodyPr>
       <a:lstStyle>
@@ -3778,7 +5005,7 @@
           <a:buFontTx/>
           <a:buNone/>
           <a:tabLst/>
-          <a:defRPr b="0" baseline="0" cap="none" i="0" spc="0" strike="noStrike" sz="3600" u="none" kumimoji="0" normalizeH="0">
+          <a:defRPr kumimoji="0" sz="3600" b="0" i="0" u="none" strike="noStrike" cap="none" spc="0" normalizeH="0" baseline="0">
             <a:ln>
               <a:noFill/>
             </a:ln>
@@ -3808,7 +5035,7 @@
           <a:buFontTx/>
           <a:buNone/>
           <a:tabLst/>
-          <a:defRPr b="0" baseline="0" cap="none" i="0" spc="0" strike="noStrike" sz="1800" u="none" kumimoji="0" normalizeH="0">
+          <a:defRPr kumimoji="0" sz="1800" b="0" i="0" u="none" strike="noStrike" cap="none" spc="0" normalizeH="0" baseline="0">
             <a:ln>
               <a:noFill/>
             </a:ln>
@@ -3834,7 +5061,7 @@
           <a:buFontTx/>
           <a:buNone/>
           <a:tabLst/>
-          <a:defRPr b="0" baseline="0" cap="none" i="0" spc="0" strike="noStrike" sz="1800" u="none" kumimoji="0" normalizeH="0">
+          <a:defRPr kumimoji="0" sz="1800" b="0" i="0" u="none" strike="noStrike" cap="none" spc="0" normalizeH="0" baseline="0">
             <a:ln>
               <a:noFill/>
             </a:ln>
@@ -3860,7 +5087,7 @@
           <a:buFontTx/>
           <a:buNone/>
           <a:tabLst/>
-          <a:defRPr b="0" baseline="0" cap="none" i="0" spc="0" strike="noStrike" sz="1800" u="none" kumimoji="0" normalizeH="0">
+          <a:defRPr kumimoji="0" sz="1800" b="0" i="0" u="none" strike="noStrike" cap="none" spc="0" normalizeH="0" baseline="0">
             <a:ln>
               <a:noFill/>
             </a:ln>
@@ -3886,7 +5113,7 @@
           <a:buFontTx/>
           <a:buNone/>
           <a:tabLst/>
-          <a:defRPr b="0" baseline="0" cap="none" i="0" spc="0" strike="noStrike" sz="1800" u="none" kumimoji="0" normalizeH="0">
+          <a:defRPr kumimoji="0" sz="1800" b="0" i="0" u="none" strike="noStrike" cap="none" spc="0" normalizeH="0" baseline="0">
             <a:ln>
               <a:noFill/>
             </a:ln>
@@ -3912,7 +5139,7 @@
           <a:buFontTx/>
           <a:buNone/>
           <a:tabLst/>
-          <a:defRPr b="0" baseline="0" cap="none" i="0" spc="0" strike="noStrike" sz="1800" u="none" kumimoji="0" normalizeH="0">
+          <a:defRPr kumimoji="0" sz="1800" b="0" i="0" u="none" strike="noStrike" cap="none" spc="0" normalizeH="0" baseline="0">
             <a:ln>
               <a:noFill/>
             </a:ln>
@@ -3938,7 +5165,7 @@
           <a:buFontTx/>
           <a:buNone/>
           <a:tabLst/>
-          <a:defRPr b="0" baseline="0" cap="none" i="0" spc="0" strike="noStrike" sz="1800" u="none" kumimoji="0" normalizeH="0">
+          <a:defRPr kumimoji="0" sz="1800" b="0" i="0" u="none" strike="noStrike" cap="none" spc="0" normalizeH="0" baseline="0">
             <a:ln>
               <a:noFill/>
             </a:ln>
@@ -3964,7 +5191,7 @@
           <a:buFontTx/>
           <a:buNone/>
           <a:tabLst/>
-          <a:defRPr b="0" baseline="0" cap="none" i="0" spc="0" strike="noStrike" sz="1800" u="none" kumimoji="0" normalizeH="0">
+          <a:defRPr kumimoji="0" sz="1800" b="0" i="0" u="none" strike="noStrike" cap="none" spc="0" normalizeH="0" baseline="0">
             <a:ln>
               <a:noFill/>
             </a:ln>
@@ -3990,7 +5217,7 @@
           <a:buFontTx/>
           <a:buNone/>
           <a:tabLst/>
-          <a:defRPr b="0" baseline="0" cap="none" i="0" spc="0" strike="noStrike" sz="1800" u="none" kumimoji="0" normalizeH="0">
+          <a:defRPr kumimoji="0" sz="1800" b="0" i="0" u="none" strike="noStrike" cap="none" spc="0" normalizeH="0" baseline="0">
             <a:ln>
               <a:noFill/>
             </a:ln>
@@ -4016,7 +5243,7 @@
           <a:buFontTx/>
           <a:buNone/>
           <a:tabLst/>
-          <a:defRPr b="0" baseline="0" cap="none" i="0" spc="0" strike="noStrike" sz="1800" u="none" kumimoji="0" normalizeH="0">
+          <a:defRPr kumimoji="0" sz="1800" b="0" i="0" u="none" strike="noStrike" cap="none" spc="0" normalizeH="0" baseline="0">
             <a:ln>
               <a:noFill/>
             </a:ln>
@@ -4029,9 +5256,15 @@
         </a:lvl9pPr>
       </a:lstStyle>
       <a:style>
-        <a:lnRef idx="0"/>
-        <a:fillRef idx="0"/>
-        <a:effectRef idx="0"/>
+        <a:lnRef idx="0">
+          <a:scrgbClr r="0" g="0" b="0"/>
+        </a:lnRef>
+        <a:fillRef idx="0">
+          <a:scrgbClr r="0" g="0" b="0"/>
+        </a:fillRef>
+        <a:effectRef idx="0">
+          <a:scrgbClr r="0" g="0" b="0"/>
+        </a:effectRef>
         <a:fontRef idx="none"/>
       </a:style>
     </a:spDef>
@@ -4047,7 +5280,7 @@
         </a:ln>
         <a:effectLst/>
       </a:spPr>
-      <a:bodyPr rot="0" spcFirstLastPara="1" vertOverflow="overflow" horzOverflow="overflow" vert="horz" wrap="square" lIns="91439" tIns="45719" rIns="91439" bIns="45719" numCol="1" spcCol="38100" rtlCol="0" anchor="t" upright="0">
+      <a:bodyPr rot="0" spcFirstLastPara="1" vertOverflow="overflow" horzOverflow="overflow" vert="horz" wrap="square" lIns="91439" tIns="45719" rIns="91439" bIns="45719" numCol="1" spcCol="38100" rtlCol="0" anchor="t">
         <a:noAutofit/>
       </a:bodyPr>
       <a:lstStyle>
@@ -4066,7 +5299,7 @@
           <a:buFontTx/>
           <a:buNone/>
           <a:tabLst/>
-          <a:defRPr b="0" baseline="0" cap="none" i="0" spc="0" strike="noStrike" sz="1800" u="none" kumimoji="0" normalizeH="0">
+          <a:defRPr kumimoji="0" sz="1800" b="0" i="0" u="none" strike="noStrike" cap="none" spc="0" normalizeH="0" baseline="0">
             <a:ln>
               <a:noFill/>
             </a:ln>
@@ -4092,7 +5325,7 @@
           <a:buFontTx/>
           <a:buNone/>
           <a:tabLst/>
-          <a:defRPr b="0" baseline="0" cap="none" i="0" spc="0" strike="noStrike" sz="1800" u="none" kumimoji="0" normalizeH="0">
+          <a:defRPr kumimoji="0" sz="1800" b="0" i="0" u="none" strike="noStrike" cap="none" spc="0" normalizeH="0" baseline="0">
             <a:ln>
               <a:noFill/>
             </a:ln>
@@ -4118,7 +5351,7 @@
           <a:buFontTx/>
           <a:buNone/>
           <a:tabLst/>
-          <a:defRPr b="0" baseline="0" cap="none" i="0" spc="0" strike="noStrike" sz="1800" u="none" kumimoji="0" normalizeH="0">
+          <a:defRPr kumimoji="0" sz="1800" b="0" i="0" u="none" strike="noStrike" cap="none" spc="0" normalizeH="0" baseline="0">
             <a:ln>
               <a:noFill/>
             </a:ln>
@@ -4144,7 +5377,7 @@
           <a:buFontTx/>
           <a:buNone/>
           <a:tabLst/>
-          <a:defRPr b="0" baseline="0" cap="none" i="0" spc="0" strike="noStrike" sz="1800" u="none" kumimoji="0" normalizeH="0">
+          <a:defRPr kumimoji="0" sz="1800" b="0" i="0" u="none" strike="noStrike" cap="none" spc="0" normalizeH="0" baseline="0">
             <a:ln>
               <a:noFill/>
             </a:ln>
@@ -4170,7 +5403,7 @@
           <a:buFontTx/>
           <a:buNone/>
           <a:tabLst/>
-          <a:defRPr b="0" baseline="0" cap="none" i="0" spc="0" strike="noStrike" sz="1800" u="none" kumimoji="0" normalizeH="0">
+          <a:defRPr kumimoji="0" sz="1800" b="0" i="0" u="none" strike="noStrike" cap="none" spc="0" normalizeH="0" baseline="0">
             <a:ln>
               <a:noFill/>
             </a:ln>
@@ -4196,7 +5429,7 @@
           <a:buFontTx/>
           <a:buNone/>
           <a:tabLst/>
-          <a:defRPr b="0" baseline="0" cap="none" i="0" spc="0" strike="noStrike" sz="1800" u="none" kumimoji="0" normalizeH="0">
+          <a:defRPr kumimoji="0" sz="1800" b="0" i="0" u="none" strike="noStrike" cap="none" spc="0" normalizeH="0" baseline="0">
             <a:ln>
               <a:noFill/>
             </a:ln>
@@ -4222,7 +5455,7 @@
           <a:buFontTx/>
           <a:buNone/>
           <a:tabLst/>
-          <a:defRPr b="0" baseline="0" cap="none" i="0" spc="0" strike="noStrike" sz="1800" u="none" kumimoji="0" normalizeH="0">
+          <a:defRPr kumimoji="0" sz="1800" b="0" i="0" u="none" strike="noStrike" cap="none" spc="0" normalizeH="0" baseline="0">
             <a:ln>
               <a:noFill/>
             </a:ln>
@@ -4248,7 +5481,7 @@
           <a:buFontTx/>
           <a:buNone/>
           <a:tabLst/>
-          <a:defRPr b="0" baseline="0" cap="none" i="0" spc="0" strike="noStrike" sz="1800" u="none" kumimoji="0" normalizeH="0">
+          <a:defRPr kumimoji="0" sz="1800" b="0" i="0" u="none" strike="noStrike" cap="none" spc="0" normalizeH="0" baseline="0">
             <a:ln>
               <a:noFill/>
             </a:ln>
@@ -4274,7 +5507,7 @@
           <a:buFontTx/>
           <a:buNone/>
           <a:tabLst/>
-          <a:defRPr b="0" baseline="0" cap="none" i="0" spc="0" strike="noStrike" sz="1800" u="none" kumimoji="0" normalizeH="0">
+          <a:defRPr kumimoji="0" sz="1800" b="0" i="0" u="none" strike="noStrike" cap="none" spc="0" normalizeH="0" baseline="0">
             <a:ln>
               <a:noFill/>
             </a:ln>
@@ -4300,7 +5533,7 @@
           <a:buFontTx/>
           <a:buNone/>
           <a:tabLst/>
-          <a:defRPr b="0" baseline="0" cap="none" i="0" spc="0" strike="noStrike" sz="1800" u="none" kumimoji="0" normalizeH="0">
+          <a:defRPr kumimoji="0" sz="1800" b="0" i="0" u="none" strike="noStrike" cap="none" spc="0" normalizeH="0" baseline="0">
             <a:ln>
               <a:noFill/>
             </a:ln>
@@ -4313,9 +5546,15 @@
         </a:lvl9pPr>
       </a:lstStyle>
       <a:style>
-        <a:lnRef idx="0"/>
-        <a:fillRef idx="0"/>
-        <a:effectRef idx="0"/>
+        <a:lnRef idx="0">
+          <a:scrgbClr r="0" g="0" b="0"/>
+        </a:lnRef>
+        <a:fillRef idx="0">
+          <a:scrgbClr r="0" g="0" b="0"/>
+        </a:fillRef>
+        <a:effectRef idx="0">
+          <a:scrgbClr r="0" g="0" b="0"/>
+        </a:effectRef>
         <a:fontRef idx="none"/>
       </a:style>
     </a:lnDef>
@@ -4328,7 +5567,7 @@
         </a:ln>
         <a:effectLst/>
       </a:spPr>
-      <a:bodyPr rot="0" spcFirstLastPara="1" vertOverflow="overflow" horzOverflow="overflow" vert="horz" wrap="square" lIns="71437" tIns="71437" rIns="71437" bIns="71437" numCol="1" spcCol="38100" rtlCol="0" anchor="ctr" upright="0">
+      <a:bodyPr rot="0" spcFirstLastPara="1" vertOverflow="overflow" horzOverflow="overflow" vert="horz" wrap="square" lIns="71437" tIns="71437" rIns="71437" bIns="71437" numCol="1" spcCol="38100" rtlCol="0" anchor="ctr">
         <a:spAutoFit/>
       </a:bodyPr>
       <a:lstStyle>
@@ -4347,7 +5586,7 @@
           <a:buFontTx/>
           <a:buNone/>
           <a:tabLst/>
-          <a:defRPr b="0" baseline="0" cap="none" i="0" spc="0" strike="noStrike" sz="5000" u="none" kumimoji="0" normalizeH="0">
+          <a:defRPr kumimoji="0" sz="5000" b="0" i="0" u="none" strike="noStrike" cap="none" spc="0" normalizeH="0" baseline="0">
             <a:ln>
               <a:noFill/>
             </a:ln>
@@ -4377,7 +5616,7 @@
           <a:buFontTx/>
           <a:buNone/>
           <a:tabLst/>
-          <a:defRPr b="0" baseline="0" cap="none" i="0" spc="0" strike="noStrike" sz="1800" u="none" kumimoji="0" normalizeH="0">
+          <a:defRPr kumimoji="0" sz="1800" b="0" i="0" u="none" strike="noStrike" cap="none" spc="0" normalizeH="0" baseline="0">
             <a:ln>
               <a:noFill/>
             </a:ln>
@@ -4403,7 +5642,7 @@
           <a:buFontTx/>
           <a:buNone/>
           <a:tabLst/>
-          <a:defRPr b="0" baseline="0" cap="none" i="0" spc="0" strike="noStrike" sz="1800" u="none" kumimoji="0" normalizeH="0">
+          <a:defRPr kumimoji="0" sz="1800" b="0" i="0" u="none" strike="noStrike" cap="none" spc="0" normalizeH="0" baseline="0">
             <a:ln>
               <a:noFill/>
             </a:ln>
@@ -4429,7 +5668,7 @@
           <a:buFontTx/>
           <a:buNone/>
           <a:tabLst/>
-          <a:defRPr b="0" baseline="0" cap="none" i="0" spc="0" strike="noStrike" sz="1800" u="none" kumimoji="0" normalizeH="0">
+          <a:defRPr kumimoji="0" sz="1800" b="0" i="0" u="none" strike="noStrike" cap="none" spc="0" normalizeH="0" baseline="0">
             <a:ln>
               <a:noFill/>
             </a:ln>
@@ -4455,7 +5694,7 @@
           <a:buFontTx/>
           <a:buNone/>
           <a:tabLst/>
-          <a:defRPr b="0" baseline="0" cap="none" i="0" spc="0" strike="noStrike" sz="1800" u="none" kumimoji="0" normalizeH="0">
+          <a:defRPr kumimoji="0" sz="1800" b="0" i="0" u="none" strike="noStrike" cap="none" spc="0" normalizeH="0" baseline="0">
             <a:ln>
               <a:noFill/>
             </a:ln>
@@ -4481,7 +5720,7 @@
           <a:buFontTx/>
           <a:buNone/>
           <a:tabLst/>
-          <a:defRPr b="0" baseline="0" cap="none" i="0" spc="0" strike="noStrike" sz="1800" u="none" kumimoji="0" normalizeH="0">
+          <a:defRPr kumimoji="0" sz="1800" b="0" i="0" u="none" strike="noStrike" cap="none" spc="0" normalizeH="0" baseline="0">
             <a:ln>
               <a:noFill/>
             </a:ln>
@@ -4507,7 +5746,7 @@
           <a:buFontTx/>
           <a:buNone/>
           <a:tabLst/>
-          <a:defRPr b="0" baseline="0" cap="none" i="0" spc="0" strike="noStrike" sz="1800" u="none" kumimoji="0" normalizeH="0">
+          <a:defRPr kumimoji="0" sz="1800" b="0" i="0" u="none" strike="noStrike" cap="none" spc="0" normalizeH="0" baseline="0">
             <a:ln>
               <a:noFill/>
             </a:ln>
@@ -4533,7 +5772,7 @@
           <a:buFontTx/>
           <a:buNone/>
           <a:tabLst/>
-          <a:defRPr b="0" baseline="0" cap="none" i="0" spc="0" strike="noStrike" sz="1800" u="none" kumimoji="0" normalizeH="0">
+          <a:defRPr kumimoji="0" sz="1800" b="0" i="0" u="none" strike="noStrike" cap="none" spc="0" normalizeH="0" baseline="0">
             <a:ln>
               <a:noFill/>
             </a:ln>
@@ -4559,7 +5798,7 @@
           <a:buFontTx/>
           <a:buNone/>
           <a:tabLst/>
-          <a:defRPr b="0" baseline="0" cap="none" i="0" spc="0" strike="noStrike" sz="1800" u="none" kumimoji="0" normalizeH="0">
+          <a:defRPr kumimoji="0" sz="1800" b="0" i="0" u="none" strike="noStrike" cap="none" spc="0" normalizeH="0" baseline="0">
             <a:ln>
               <a:noFill/>
             </a:ln>
@@ -4585,7 +5824,7 @@
           <a:buFontTx/>
           <a:buNone/>
           <a:tabLst/>
-          <a:defRPr b="0" baseline="0" cap="none" i="0" spc="0" strike="noStrike" sz="1800" u="none" kumimoji="0" normalizeH="0">
+          <a:defRPr kumimoji="0" sz="1800" b="0" i="0" u="none" strike="noStrike" cap="none" spc="0" normalizeH="0" baseline="0">
             <a:ln>
               <a:noFill/>
             </a:ln>
@@ -4598,18 +5837,25 @@
         </a:lvl9pPr>
       </a:lstStyle>
       <a:style>
-        <a:lnRef idx="0"/>
-        <a:fillRef idx="0"/>
-        <a:effectRef idx="0"/>
+        <a:lnRef idx="0">
+          <a:scrgbClr r="0" g="0" b="0"/>
+        </a:lnRef>
+        <a:fillRef idx="0">
+          <a:scrgbClr r="0" g="0" b="0"/>
+        </a:fillRef>
+        <a:effectRef idx="0">
+          <a:scrgbClr r="0" g="0" b="0"/>
+        </a:effectRef>
         <a:fontRef idx="none"/>
       </a:style>
     </a:txDef>
   </a:objectDefaults>
+  <a:extraClrSchemeLst/>
 </a:theme>
 </file>
 
 <file path=ppt/theme/theme2.xml><?xml version="1.0" encoding="utf-8"?>
-<a:theme xmlns:a="http://schemas.openxmlformats.org/drawingml/2006/main" xmlns:r="http://schemas.openxmlformats.org/officeDocument/2006/relationships" name="Black">
+<a:theme xmlns:a="http://schemas.openxmlformats.org/drawingml/2006/main" name="Black">
   <a:themeElements>
     <a:clrScheme name="Black">
       <a:dk1>
@@ -4799,8 +6045,8 @@
     <a:spDef>
       <a:spPr>
         <a:blipFill rotWithShape="1">
-          <a:blip r:embed="rId1"/>
-          <a:srcRect l="0" t="0" r="0" b="0"/>
+          <a:blip xmlns:r="http://schemas.openxmlformats.org/officeDocument/2006/relationships" r:embed="rId1"/>
+          <a:srcRect/>
           <a:tile tx="0" ty="0" sx="100000" sy="100000" flip="none" algn="tl"/>
         </a:blipFill>
         <a:ln w="12700" cap="flat">
@@ -4809,7 +6055,7 @@
         </a:ln>
         <a:effectLst/>
       </a:spPr>
-      <a:bodyPr rot="0" spcFirstLastPara="1" vertOverflow="overflow" horzOverflow="overflow" vert="horz" wrap="square" lIns="71437" tIns="71437" rIns="71437" bIns="71437" numCol="1" spcCol="38100" rtlCol="0" anchor="ctr" upright="0">
+      <a:bodyPr rot="0" spcFirstLastPara="1" vertOverflow="overflow" horzOverflow="overflow" vert="horz" wrap="square" lIns="71437" tIns="71437" rIns="71437" bIns="71437" numCol="1" spcCol="38100" rtlCol="0" anchor="ctr">
         <a:spAutoFit/>
       </a:bodyPr>
       <a:lstStyle>
@@ -4828,7 +6074,7 @@
           <a:buFontTx/>
           <a:buNone/>
           <a:tabLst/>
-          <a:defRPr b="0" baseline="0" cap="none" i="0" spc="0" strike="noStrike" sz="3600" u="none" kumimoji="0" normalizeH="0">
+          <a:defRPr kumimoji="0" sz="3600" b="0" i="0" u="none" strike="noStrike" cap="none" spc="0" normalizeH="0" baseline="0">
             <a:ln>
               <a:noFill/>
             </a:ln>
@@ -4858,7 +6104,7 @@
           <a:buFontTx/>
           <a:buNone/>
           <a:tabLst/>
-          <a:defRPr b="0" baseline="0" cap="none" i="0" spc="0" strike="noStrike" sz="1800" u="none" kumimoji="0" normalizeH="0">
+          <a:defRPr kumimoji="0" sz="1800" b="0" i="0" u="none" strike="noStrike" cap="none" spc="0" normalizeH="0" baseline="0">
             <a:ln>
               <a:noFill/>
             </a:ln>
@@ -4884,7 +6130,7 @@
           <a:buFontTx/>
           <a:buNone/>
           <a:tabLst/>
-          <a:defRPr b="0" baseline="0" cap="none" i="0" spc="0" strike="noStrike" sz="1800" u="none" kumimoji="0" normalizeH="0">
+          <a:defRPr kumimoji="0" sz="1800" b="0" i="0" u="none" strike="noStrike" cap="none" spc="0" normalizeH="0" baseline="0">
             <a:ln>
               <a:noFill/>
             </a:ln>
@@ -4910,7 +6156,7 @@
           <a:buFontTx/>
           <a:buNone/>
           <a:tabLst/>
-          <a:defRPr b="0" baseline="0" cap="none" i="0" spc="0" strike="noStrike" sz="1800" u="none" kumimoji="0" normalizeH="0">
+          <a:defRPr kumimoji="0" sz="1800" b="0" i="0" u="none" strike="noStrike" cap="none" spc="0" normalizeH="0" baseline="0">
             <a:ln>
               <a:noFill/>
             </a:ln>
@@ -4936,7 +6182,7 @@
           <a:buFontTx/>
           <a:buNone/>
           <a:tabLst/>
-          <a:defRPr b="0" baseline="0" cap="none" i="0" spc="0" strike="noStrike" sz="1800" u="none" kumimoji="0" normalizeH="0">
+          <a:defRPr kumimoji="0" sz="1800" b="0" i="0" u="none" strike="noStrike" cap="none" spc="0" normalizeH="0" baseline="0">
             <a:ln>
               <a:noFill/>
             </a:ln>
@@ -4962,7 +6208,7 @@
           <a:buFontTx/>
           <a:buNone/>
           <a:tabLst/>
-          <a:defRPr b="0" baseline="0" cap="none" i="0" spc="0" strike="noStrike" sz="1800" u="none" kumimoji="0" normalizeH="0">
+          <a:defRPr kumimoji="0" sz="1800" b="0" i="0" u="none" strike="noStrike" cap="none" spc="0" normalizeH="0" baseline="0">
             <a:ln>
               <a:noFill/>
             </a:ln>
@@ -4988,7 +6234,7 @@
           <a:buFontTx/>
           <a:buNone/>
           <a:tabLst/>
-          <a:defRPr b="0" baseline="0" cap="none" i="0" spc="0" strike="noStrike" sz="1800" u="none" kumimoji="0" normalizeH="0">
+          <a:defRPr kumimoji="0" sz="1800" b="0" i="0" u="none" strike="noStrike" cap="none" spc="0" normalizeH="0" baseline="0">
             <a:ln>
               <a:noFill/>
             </a:ln>
@@ -5014,7 +6260,7 @@
           <a:buFontTx/>
           <a:buNone/>
           <a:tabLst/>
-          <a:defRPr b="0" baseline="0" cap="none" i="0" spc="0" strike="noStrike" sz="1800" u="none" kumimoji="0" normalizeH="0">
+          <a:defRPr kumimoji="0" sz="1800" b="0" i="0" u="none" strike="noStrike" cap="none" spc="0" normalizeH="0" baseline="0">
             <a:ln>
               <a:noFill/>
             </a:ln>
@@ -5040,7 +6286,7 @@
           <a:buFontTx/>
           <a:buNone/>
           <a:tabLst/>
-          <a:defRPr b="0" baseline="0" cap="none" i="0" spc="0" strike="noStrike" sz="1800" u="none" kumimoji="0" normalizeH="0">
+          <a:defRPr kumimoji="0" sz="1800" b="0" i="0" u="none" strike="noStrike" cap="none" spc="0" normalizeH="0" baseline="0">
             <a:ln>
               <a:noFill/>
             </a:ln>
@@ -5066,7 +6312,7 @@
           <a:buFontTx/>
           <a:buNone/>
           <a:tabLst/>
-          <a:defRPr b="0" baseline="0" cap="none" i="0" spc="0" strike="noStrike" sz="1800" u="none" kumimoji="0" normalizeH="0">
+          <a:defRPr kumimoji="0" sz="1800" b="0" i="0" u="none" strike="noStrike" cap="none" spc="0" normalizeH="0" baseline="0">
             <a:ln>
               <a:noFill/>
             </a:ln>
@@ -5079,9 +6325,15 @@
         </a:lvl9pPr>
       </a:lstStyle>
       <a:style>
-        <a:lnRef idx="0"/>
-        <a:fillRef idx="0"/>
-        <a:effectRef idx="0"/>
+        <a:lnRef idx="0">
+          <a:scrgbClr r="0" g="0" b="0"/>
+        </a:lnRef>
+        <a:fillRef idx="0">
+          <a:scrgbClr r="0" g="0" b="0"/>
+        </a:fillRef>
+        <a:effectRef idx="0">
+          <a:scrgbClr r="0" g="0" b="0"/>
+        </a:effectRef>
         <a:fontRef idx="none"/>
       </a:style>
     </a:spDef>
@@ -5097,7 +6349,7 @@
         </a:ln>
         <a:effectLst/>
       </a:spPr>
-      <a:bodyPr rot="0" spcFirstLastPara="1" vertOverflow="overflow" horzOverflow="overflow" vert="horz" wrap="square" lIns="91439" tIns="45719" rIns="91439" bIns="45719" numCol="1" spcCol="38100" rtlCol="0" anchor="t" upright="0">
+      <a:bodyPr rot="0" spcFirstLastPara="1" vertOverflow="overflow" horzOverflow="overflow" vert="horz" wrap="square" lIns="91439" tIns="45719" rIns="91439" bIns="45719" numCol="1" spcCol="38100" rtlCol="0" anchor="t">
         <a:noAutofit/>
       </a:bodyPr>
       <a:lstStyle>
@@ -5116,7 +6368,7 @@
           <a:buFontTx/>
           <a:buNone/>
           <a:tabLst/>
-          <a:defRPr b="0" baseline="0" cap="none" i="0" spc="0" strike="noStrike" sz="1800" u="none" kumimoji="0" normalizeH="0">
+          <a:defRPr kumimoji="0" sz="1800" b="0" i="0" u="none" strike="noStrike" cap="none" spc="0" normalizeH="0" baseline="0">
             <a:ln>
               <a:noFill/>
             </a:ln>
@@ -5142,7 +6394,7 @@
           <a:buFontTx/>
           <a:buNone/>
           <a:tabLst/>
-          <a:defRPr b="0" baseline="0" cap="none" i="0" spc="0" strike="noStrike" sz="1800" u="none" kumimoji="0" normalizeH="0">
+          <a:defRPr kumimoji="0" sz="1800" b="0" i="0" u="none" strike="noStrike" cap="none" spc="0" normalizeH="0" baseline="0">
             <a:ln>
               <a:noFill/>
             </a:ln>
@@ -5168,7 +6420,7 @@
           <a:buFontTx/>
           <a:buNone/>
           <a:tabLst/>
-          <a:defRPr b="0" baseline="0" cap="none" i="0" spc="0" strike="noStrike" sz="1800" u="none" kumimoji="0" normalizeH="0">
+          <a:defRPr kumimoji="0" sz="1800" b="0" i="0" u="none" strike="noStrike" cap="none" spc="0" normalizeH="0" baseline="0">
             <a:ln>
               <a:noFill/>
             </a:ln>
@@ -5194,7 +6446,7 @@
           <a:buFontTx/>
           <a:buNone/>
           <a:tabLst/>
-          <a:defRPr b="0" baseline="0" cap="none" i="0" spc="0" strike="noStrike" sz="1800" u="none" kumimoji="0" normalizeH="0">
+          <a:defRPr kumimoji="0" sz="1800" b="0" i="0" u="none" strike="noStrike" cap="none" spc="0" normalizeH="0" baseline="0">
             <a:ln>
               <a:noFill/>
             </a:ln>
@@ -5220,7 +6472,7 @@
           <a:buFontTx/>
           <a:buNone/>
           <a:tabLst/>
-          <a:defRPr b="0" baseline="0" cap="none" i="0" spc="0" strike="noStrike" sz="1800" u="none" kumimoji="0" normalizeH="0">
+          <a:defRPr kumimoji="0" sz="1800" b="0" i="0" u="none" strike="noStrike" cap="none" spc="0" normalizeH="0" baseline="0">
             <a:ln>
               <a:noFill/>
             </a:ln>
@@ -5246,7 +6498,7 @@
           <a:buFontTx/>
           <a:buNone/>
           <a:tabLst/>
-          <a:defRPr b="0" baseline="0" cap="none" i="0" spc="0" strike="noStrike" sz="1800" u="none" kumimoji="0" normalizeH="0">
+          <a:defRPr kumimoji="0" sz="1800" b="0" i="0" u="none" strike="noStrike" cap="none" spc="0" normalizeH="0" baseline="0">
             <a:ln>
               <a:noFill/>
             </a:ln>
@@ -5272,7 +6524,7 @@
           <a:buFontTx/>
           <a:buNone/>
           <a:tabLst/>
-          <a:defRPr b="0" baseline="0" cap="none" i="0" spc="0" strike="noStrike" sz="1800" u="none" kumimoji="0" normalizeH="0">
+          <a:defRPr kumimoji="0" sz="1800" b="0" i="0" u="none" strike="noStrike" cap="none" spc="0" normalizeH="0" baseline="0">
             <a:ln>
               <a:noFill/>
             </a:ln>
@@ -5298,7 +6550,7 @@
           <a:buFontTx/>
           <a:buNone/>
           <a:tabLst/>
-          <a:defRPr b="0" baseline="0" cap="none" i="0" spc="0" strike="noStrike" sz="1800" u="none" kumimoji="0" normalizeH="0">
+          <a:defRPr kumimoji="0" sz="1800" b="0" i="0" u="none" strike="noStrike" cap="none" spc="0" normalizeH="0" baseline="0">
             <a:ln>
               <a:noFill/>
             </a:ln>
@@ -5324,7 +6576,7 @@
           <a:buFontTx/>
           <a:buNone/>
           <a:tabLst/>
-          <a:defRPr b="0" baseline="0" cap="none" i="0" spc="0" strike="noStrike" sz="1800" u="none" kumimoji="0" normalizeH="0">
+          <a:defRPr kumimoji="0" sz="1800" b="0" i="0" u="none" strike="noStrike" cap="none" spc="0" normalizeH="0" baseline="0">
             <a:ln>
               <a:noFill/>
             </a:ln>
@@ -5350,7 +6602,7 @@
           <a:buFontTx/>
           <a:buNone/>
           <a:tabLst/>
-          <a:defRPr b="0" baseline="0" cap="none" i="0" spc="0" strike="noStrike" sz="1800" u="none" kumimoji="0" normalizeH="0">
+          <a:defRPr kumimoji="0" sz="1800" b="0" i="0" u="none" strike="noStrike" cap="none" spc="0" normalizeH="0" baseline="0">
             <a:ln>
               <a:noFill/>
             </a:ln>
@@ -5363,9 +6615,15 @@
         </a:lvl9pPr>
       </a:lstStyle>
       <a:style>
-        <a:lnRef idx="0"/>
-        <a:fillRef idx="0"/>
-        <a:effectRef idx="0"/>
+        <a:lnRef idx="0">
+          <a:scrgbClr r="0" g="0" b="0"/>
+        </a:lnRef>
+        <a:fillRef idx="0">
+          <a:scrgbClr r="0" g="0" b="0"/>
+        </a:fillRef>
+        <a:effectRef idx="0">
+          <a:scrgbClr r="0" g="0" b="0"/>
+        </a:effectRef>
         <a:fontRef idx="none"/>
       </a:style>
     </a:lnDef>
@@ -5378,7 +6636,7 @@
         </a:ln>
         <a:effectLst/>
       </a:spPr>
-      <a:bodyPr rot="0" spcFirstLastPara="1" vertOverflow="overflow" horzOverflow="overflow" vert="horz" wrap="square" lIns="71437" tIns="71437" rIns="71437" bIns="71437" numCol="1" spcCol="38100" rtlCol="0" anchor="ctr" upright="0">
+      <a:bodyPr rot="0" spcFirstLastPara="1" vertOverflow="overflow" horzOverflow="overflow" vert="horz" wrap="square" lIns="71437" tIns="71437" rIns="71437" bIns="71437" numCol="1" spcCol="38100" rtlCol="0" anchor="ctr">
         <a:spAutoFit/>
       </a:bodyPr>
       <a:lstStyle>
@@ -5397,7 +6655,7 @@
           <a:buFontTx/>
           <a:buNone/>
           <a:tabLst/>
-          <a:defRPr b="0" baseline="0" cap="none" i="0" spc="0" strike="noStrike" sz="5000" u="none" kumimoji="0" normalizeH="0">
+          <a:defRPr kumimoji="0" sz="5000" b="0" i="0" u="none" strike="noStrike" cap="none" spc="0" normalizeH="0" baseline="0">
             <a:ln>
               <a:noFill/>
             </a:ln>
@@ -5427,7 +6685,7 @@
           <a:buFontTx/>
           <a:buNone/>
           <a:tabLst/>
-          <a:defRPr b="0" baseline="0" cap="none" i="0" spc="0" strike="noStrike" sz="1800" u="none" kumimoji="0" normalizeH="0">
+          <a:defRPr kumimoji="0" sz="1800" b="0" i="0" u="none" strike="noStrike" cap="none" spc="0" normalizeH="0" baseline="0">
             <a:ln>
               <a:noFill/>
             </a:ln>
@@ -5453,7 +6711,7 @@
           <a:buFontTx/>
           <a:buNone/>
           <a:tabLst/>
-          <a:defRPr b="0" baseline="0" cap="none" i="0" spc="0" strike="noStrike" sz="1800" u="none" kumimoji="0" normalizeH="0">
+          <a:defRPr kumimoji="0" sz="1800" b="0" i="0" u="none" strike="noStrike" cap="none" spc="0" normalizeH="0" baseline="0">
             <a:ln>
               <a:noFill/>
             </a:ln>
@@ -5479,7 +6737,7 @@
           <a:buFontTx/>
           <a:buNone/>
           <a:tabLst/>
-          <a:defRPr b="0" baseline="0" cap="none" i="0" spc="0" strike="noStrike" sz="1800" u="none" kumimoji="0" normalizeH="0">
+          <a:defRPr kumimoji="0" sz="1800" b="0" i="0" u="none" strike="noStrike" cap="none" spc="0" normalizeH="0" baseline="0">
             <a:ln>
               <a:noFill/>
             </a:ln>
@@ -5505,7 +6763,7 @@
           <a:buFontTx/>
           <a:buNone/>
           <a:tabLst/>
-          <a:defRPr b="0" baseline="0" cap="none" i="0" spc="0" strike="noStrike" sz="1800" u="none" kumimoji="0" normalizeH="0">
+          <a:defRPr kumimoji="0" sz="1800" b="0" i="0" u="none" strike="noStrike" cap="none" spc="0" normalizeH="0" baseline="0">
             <a:ln>
               <a:noFill/>
             </a:ln>
@@ -5531,7 +6789,7 @@
           <a:buFontTx/>
           <a:buNone/>
           <a:tabLst/>
-          <a:defRPr b="0" baseline="0" cap="none" i="0" spc="0" strike="noStrike" sz="1800" u="none" kumimoji="0" normalizeH="0">
+          <a:defRPr kumimoji="0" sz="1800" b="0" i="0" u="none" strike="noStrike" cap="none" spc="0" normalizeH="0" baseline="0">
             <a:ln>
               <a:noFill/>
             </a:ln>
@@ -5557,7 +6815,7 @@
           <a:buFontTx/>
           <a:buNone/>
           <a:tabLst/>
-          <a:defRPr b="0" baseline="0" cap="none" i="0" spc="0" strike="noStrike" sz="1800" u="none" kumimoji="0" normalizeH="0">
+          <a:defRPr kumimoji="0" sz="1800" b="0" i="0" u="none" strike="noStrike" cap="none" spc="0" normalizeH="0" baseline="0">
             <a:ln>
               <a:noFill/>
             </a:ln>
@@ -5583,7 +6841,7 @@
           <a:buFontTx/>
           <a:buNone/>
           <a:tabLst/>
-          <a:defRPr b="0" baseline="0" cap="none" i="0" spc="0" strike="noStrike" sz="1800" u="none" kumimoji="0" normalizeH="0">
+          <a:defRPr kumimoji="0" sz="1800" b="0" i="0" u="none" strike="noStrike" cap="none" spc="0" normalizeH="0" baseline="0">
             <a:ln>
               <a:noFill/>
             </a:ln>
@@ -5609,7 +6867,7 @@
           <a:buFontTx/>
           <a:buNone/>
           <a:tabLst/>
-          <a:defRPr b="0" baseline="0" cap="none" i="0" spc="0" strike="noStrike" sz="1800" u="none" kumimoji="0" normalizeH="0">
+          <a:defRPr kumimoji="0" sz="1800" b="0" i="0" u="none" strike="noStrike" cap="none" spc="0" normalizeH="0" baseline="0">
             <a:ln>
               <a:noFill/>
             </a:ln>
@@ -5635,7 +6893,7 @@
           <a:buFontTx/>
           <a:buNone/>
           <a:tabLst/>
-          <a:defRPr b="0" baseline="0" cap="none" i="0" spc="0" strike="noStrike" sz="1800" u="none" kumimoji="0" normalizeH="0">
+          <a:defRPr kumimoji="0" sz="1800" b="0" i="0" u="none" strike="noStrike" cap="none" spc="0" normalizeH="0" baseline="0">
             <a:ln>
               <a:noFill/>
             </a:ln>
@@ -5648,12 +6906,19 @@
         </a:lvl9pPr>
       </a:lstStyle>
       <a:style>
-        <a:lnRef idx="0"/>
-        <a:fillRef idx="0"/>
-        <a:effectRef idx="0"/>
+        <a:lnRef idx="0">
+          <a:scrgbClr r="0" g="0" b="0"/>
+        </a:lnRef>
+        <a:fillRef idx="0">
+          <a:scrgbClr r="0" g="0" b="0"/>
+        </a:fillRef>
+        <a:effectRef idx="0">
+          <a:scrgbClr r="0" g="0" b="0"/>
+        </a:effectRef>
         <a:fontRef idx="none"/>
       </a:style>
     </a:txDef>
   </a:objectDefaults>
+  <a:extraClrSchemeLst/>
 </a:theme>
 </file>